--- a/Presentation(RMT).pptx
+++ b/Presentation(RMT).pptx
@@ -215,7 +215,7 @@
           <a:p>
             <a:fld id="{A5C20BB3-3CCB-4FE5-991B-82F6BCB48AF3}" type="datetimeFigureOut">
               <a:rPr lang="en-US" smtClean="0"/>
-              <a:t>8/2/2018</a:t>
+              <a:t>8/3/2018</a:t>
             </a:fld>
             <a:endParaRPr lang="en-US"/>
           </a:p>
@@ -1601,7 +1601,7 @@
           <a:p>
             <a:fld id="{1555EDF9-3D79-45DA-8367-2F63551C4C7D}" type="datetimeFigureOut">
               <a:rPr lang="en-US" smtClean="0"/>
-              <a:t>8/2/2018</a:t>
+              <a:t>8/3/2018</a:t>
             </a:fld>
             <a:endParaRPr lang="en-US"/>
           </a:p>
@@ -1769,7 +1769,7 @@
           <a:p>
             <a:fld id="{1555EDF9-3D79-45DA-8367-2F63551C4C7D}" type="datetimeFigureOut">
               <a:rPr lang="en-US" smtClean="0"/>
-              <a:t>8/2/2018</a:t>
+              <a:t>8/3/2018</a:t>
             </a:fld>
             <a:endParaRPr lang="en-US"/>
           </a:p>
@@ -1947,7 +1947,7 @@
           <a:p>
             <a:fld id="{1555EDF9-3D79-45DA-8367-2F63551C4C7D}" type="datetimeFigureOut">
               <a:rPr lang="en-US" smtClean="0"/>
-              <a:t>8/2/2018</a:t>
+              <a:t>8/3/2018</a:t>
             </a:fld>
             <a:endParaRPr lang="en-US"/>
           </a:p>
@@ -2115,7 +2115,7 @@
           <a:p>
             <a:fld id="{1555EDF9-3D79-45DA-8367-2F63551C4C7D}" type="datetimeFigureOut">
               <a:rPr lang="en-US" smtClean="0"/>
-              <a:t>8/2/2018</a:t>
+              <a:t>8/3/2018</a:t>
             </a:fld>
             <a:endParaRPr lang="en-US"/>
           </a:p>
@@ -2360,7 +2360,7 @@
           <a:p>
             <a:fld id="{1555EDF9-3D79-45DA-8367-2F63551C4C7D}" type="datetimeFigureOut">
               <a:rPr lang="en-US" smtClean="0"/>
-              <a:t>8/2/2018</a:t>
+              <a:t>8/3/2018</a:t>
             </a:fld>
             <a:endParaRPr lang="en-US"/>
           </a:p>
@@ -2589,7 +2589,7 @@
           <a:p>
             <a:fld id="{1555EDF9-3D79-45DA-8367-2F63551C4C7D}" type="datetimeFigureOut">
               <a:rPr lang="en-US" smtClean="0"/>
-              <a:t>8/2/2018</a:t>
+              <a:t>8/3/2018</a:t>
             </a:fld>
             <a:endParaRPr lang="en-US"/>
           </a:p>
@@ -2953,7 +2953,7 @@
           <a:p>
             <a:fld id="{1555EDF9-3D79-45DA-8367-2F63551C4C7D}" type="datetimeFigureOut">
               <a:rPr lang="en-US" smtClean="0"/>
-              <a:t>8/2/2018</a:t>
+              <a:t>8/3/2018</a:t>
             </a:fld>
             <a:endParaRPr lang="en-US"/>
           </a:p>
@@ -3070,7 +3070,7 @@
           <a:p>
             <a:fld id="{1555EDF9-3D79-45DA-8367-2F63551C4C7D}" type="datetimeFigureOut">
               <a:rPr lang="en-US" smtClean="0"/>
-              <a:t>8/2/2018</a:t>
+              <a:t>8/3/2018</a:t>
             </a:fld>
             <a:endParaRPr lang="en-US"/>
           </a:p>
@@ -3165,7 +3165,7 @@
           <a:p>
             <a:fld id="{1555EDF9-3D79-45DA-8367-2F63551C4C7D}" type="datetimeFigureOut">
               <a:rPr lang="en-US" smtClean="0"/>
-              <a:t>8/2/2018</a:t>
+              <a:t>8/3/2018</a:t>
             </a:fld>
             <a:endParaRPr lang="en-US"/>
           </a:p>
@@ -3440,7 +3440,7 @@
           <a:p>
             <a:fld id="{1555EDF9-3D79-45DA-8367-2F63551C4C7D}" type="datetimeFigureOut">
               <a:rPr lang="en-US" smtClean="0"/>
-              <a:t>8/2/2018</a:t>
+              <a:t>8/3/2018</a:t>
             </a:fld>
             <a:endParaRPr lang="en-US"/>
           </a:p>
@@ -3695,7 +3695,7 @@
           <a:p>
             <a:fld id="{1555EDF9-3D79-45DA-8367-2F63551C4C7D}" type="datetimeFigureOut">
               <a:rPr lang="en-US" smtClean="0"/>
-              <a:t>8/2/2018</a:t>
+              <a:t>8/3/2018</a:t>
             </a:fld>
             <a:endParaRPr lang="en-US"/>
           </a:p>
@@ -3906,7 +3906,7 @@
           <a:p>
             <a:fld id="{1555EDF9-3D79-45DA-8367-2F63551C4C7D}" type="datetimeFigureOut">
               <a:rPr lang="en-US" smtClean="0"/>
-              <a:t>8/2/2018</a:t>
+              <a:t>8/3/2018</a:t>
             </a:fld>
             <a:endParaRPr lang="en-US"/>
           </a:p>

--- a/Presentation(RMT).pptx
+++ b/Presentation(RMT).pptx
@@ -5,7 +5,7 @@
     <p:sldMasterId id="2147483648" r:id="rId1"/>
   </p:sldMasterIdLst>
   <p:notesMasterIdLst>
-    <p:notesMasterId r:id="rId32"/>
+    <p:notesMasterId r:id="rId33"/>
   </p:notesMasterIdLst>
   <p:sldIdLst>
     <p:sldId id="275" r:id="rId2"/>
@@ -21,23 +21,24 @@
     <p:sldId id="280" r:id="rId12"/>
     <p:sldId id="282" r:id="rId13"/>
     <p:sldId id="266" r:id="rId14"/>
-    <p:sldId id="267" r:id="rId15"/>
-    <p:sldId id="262" r:id="rId16"/>
-    <p:sldId id="270" r:id="rId17"/>
-    <p:sldId id="265" r:id="rId18"/>
-    <p:sldId id="283" r:id="rId19"/>
-    <p:sldId id="268" r:id="rId20"/>
-    <p:sldId id="284" r:id="rId21"/>
-    <p:sldId id="285" r:id="rId22"/>
-    <p:sldId id="286" r:id="rId23"/>
-    <p:sldId id="287" r:id="rId24"/>
-    <p:sldId id="271" r:id="rId25"/>
-    <p:sldId id="269" r:id="rId26"/>
+    <p:sldId id="289" r:id="rId15"/>
+    <p:sldId id="267" r:id="rId16"/>
+    <p:sldId id="262" r:id="rId17"/>
+    <p:sldId id="270" r:id="rId18"/>
+    <p:sldId id="268" r:id="rId19"/>
+    <p:sldId id="284" r:id="rId20"/>
+    <p:sldId id="265" r:id="rId21"/>
+    <p:sldId id="283" r:id="rId22"/>
+    <p:sldId id="285" r:id="rId23"/>
+    <p:sldId id="286" r:id="rId24"/>
+    <p:sldId id="287" r:id="rId25"/>
+    <p:sldId id="271" r:id="rId26"/>
     <p:sldId id="288" r:id="rId27"/>
     <p:sldId id="264" r:id="rId28"/>
-    <p:sldId id="272" r:id="rId29"/>
-    <p:sldId id="273" r:id="rId30"/>
-    <p:sldId id="274" r:id="rId31"/>
+    <p:sldId id="269" r:id="rId29"/>
+    <p:sldId id="272" r:id="rId30"/>
+    <p:sldId id="273" r:id="rId31"/>
+    <p:sldId id="274" r:id="rId32"/>
   </p:sldIdLst>
   <p:sldSz cx="12192000" cy="6858000"/>
   <p:notesSz cx="6858000" cy="9144000"/>
@@ -2936,24 +2937,15 @@
           <a:lstStyle/>
           <a:p>
             <a:r>
-              <a:rPr lang="en-US" dirty="0">
-                <a:effectLst/>
-              </a:rPr>
-              <a:t>In biological systems many aspects of the environment and growth process are random, large and can vary over space and time. On top of that, the stability of a biological system is very pertinent, in an ecological context it determines the survival of species. Generally we look at the "community matrix", which for a population of S species is influenced by S equations for population growth. The community matrix looks at equilibrium solutions for these equations in small perturbations around the equilibria. We say a system is stable if when starting close to an equilibrium we stay close to that equilibria. Local stability can be determined by the eigenvalues of M. For higher dimensions, the exact entries of the matrix matter less than certain aspects about the distribution of their entries such as the mean, variance and diagonal elements. Different results from RMT allow us to say something about the distribution of eigenvalues given </a:t>
-            </a:r>
-            <a:r>
-              <a:rPr lang="en-US" dirty="0" err="1">
-                <a:effectLst/>
-              </a:rPr>
-              <a:t>mu,sigma,d</a:t>
-            </a:r>
-            <a:r>
-              <a:rPr lang="en-US" dirty="0">
-                <a:effectLst/>
-              </a:rPr>
-              <a:t> and therefore stability of an ecosystem</a:t>
-            </a:r>
-            <a:endParaRPr lang="en-US" dirty="0"/>
+              <a:rPr lang="en-US" dirty="0"/>
+              <a:t>In this case, for interaction matrix like the one on the left, the model expands to the equations on the right.</a:t>
+            </a:r>
+          </a:p>
+          <a:p>
+            <a:r>
+              <a:rPr lang="en-US" dirty="0"/>
+              <a:t>This is modeling parasitism between the two species. Species 1 is being negatively affected by the actions of species 2 but species 2 is positively benefiting from the actions of species 1</a:t>
+            </a:r>
           </a:p>
         </p:txBody>
       </p:sp>
@@ -2974,7 +2966,7 @@
           <a:p>
             <a:fld id="{E0746DE6-3336-457D-A091-FA20AC1C536E}" type="slidenum">
               <a:rPr lang="en-US" smtClean="0"/>
-              <a:t>12</a:t>
+              <a:t>11</a:t>
             </a:fld>
             <a:endParaRPr lang="en-US"/>
           </a:p>
@@ -2983,7 +2975,7 @@
     </p:spTree>
     <p:extLst>
       <p:ext uri="{BB962C8B-B14F-4D97-AF65-F5344CB8AC3E}">
-        <p14:creationId xmlns:p14="http://schemas.microsoft.com/office/powerpoint/2010/main" val="697050592"/>
+        <p14:creationId xmlns:p14="http://schemas.microsoft.com/office/powerpoint/2010/main" val="2135244824"/>
       </p:ext>
     </p:extLst>
   </p:cSld>
@@ -3038,21 +3030,24 @@
           <a:lstStyle/>
           <a:p>
             <a:r>
-              <a:rPr lang="en-US" dirty="0"/>
-              <a:t>Model-f(x)</a:t>
-            </a:r>
-          </a:p>
-          <a:p>
-            <a:r>
-              <a:rPr lang="en-US" dirty="0"/>
-              <a:t>Parameters-p</a:t>
-            </a:r>
-          </a:p>
-          <a:p>
-            <a:r>
-              <a:rPr lang="en-US" dirty="0"/>
-              <a:t>Get likelihood of observing the model input x given the parameters p1:pn and maximize this likelihood. This gives us back the parameter values that make the data the most probable</a:t>
-            </a:r>
+              <a:rPr lang="en-US" dirty="0">
+                <a:effectLst/>
+              </a:rPr>
+              <a:t>In biological systems many aspects of the environment and growth process are random, large and can vary over space and time. On top of that, the stability of a biological system is very pertinent, in an ecological context it determines the survival of species. Generally we look at the "community matrix", which for a population of S species is influenced by S equations for population growth. The community matrix looks at equilibrium solutions for these equations in small perturbations around the equilibria. We say a system is stable if when starting close to an equilibrium we stay close to that equilibria. Local stability can be determined by the eigenvalues of M. For higher dimensions, the exact entries of the matrix matter less than certain aspects about the distribution of their entries such as the mean, variance and diagonal elements. Different results from RMT allow us to say something about the distribution of eigenvalues given </a:t>
+            </a:r>
+            <a:r>
+              <a:rPr lang="en-US" dirty="0" err="1">
+                <a:effectLst/>
+              </a:rPr>
+              <a:t>mu,sigma,d</a:t>
+            </a:r>
+            <a:r>
+              <a:rPr lang="en-US" dirty="0">
+                <a:effectLst/>
+              </a:rPr>
+              <a:t> and therefore stability of an ecosystem</a:t>
+            </a:r>
+            <a:endParaRPr lang="en-US" dirty="0"/>
           </a:p>
         </p:txBody>
       </p:sp>
@@ -3073,7 +3068,7 @@
           <a:p>
             <a:fld id="{E0746DE6-3336-457D-A091-FA20AC1C536E}" type="slidenum">
               <a:rPr lang="en-US" smtClean="0"/>
-              <a:t>13</a:t>
+              <a:t>12</a:t>
             </a:fld>
             <a:endParaRPr lang="en-US"/>
           </a:p>
@@ -3082,7 +3077,7 @@
     </p:spTree>
     <p:extLst>
       <p:ext uri="{BB962C8B-B14F-4D97-AF65-F5344CB8AC3E}">
-        <p14:creationId xmlns:p14="http://schemas.microsoft.com/office/powerpoint/2010/main" val="4187505834"/>
+        <p14:creationId xmlns:p14="http://schemas.microsoft.com/office/powerpoint/2010/main" val="697050592"/>
       </p:ext>
     </p:extLst>
   </p:cSld>
@@ -3138,7 +3133,19 @@
           <a:p>
             <a:r>
               <a:rPr lang="en-US" dirty="0"/>
-              <a:t>We start with a stable symmetric matrix A which allows us to do a lot in terms of our computations, then generate time series data and I find the maximum likelihood of x given mu, sigma, d</a:t>
+              <a:t>Model-f(x)</a:t>
+            </a:r>
+          </a:p>
+          <a:p>
+            <a:r>
+              <a:rPr lang="en-US" dirty="0"/>
+              <a:t>Parameters-p</a:t>
+            </a:r>
+          </a:p>
+          <a:p>
+            <a:r>
+              <a:rPr lang="en-US" dirty="0"/>
+              <a:t>Get likelihood of observing the model input x given the parameters p1:pn and maximize this likelihood. This gives us back the parameter values that make the data the most probable</a:t>
             </a:r>
           </a:p>
         </p:txBody>
@@ -3160,7 +3167,7 @@
           <a:p>
             <a:fld id="{E0746DE6-3336-457D-A091-FA20AC1C536E}" type="slidenum">
               <a:rPr lang="en-US" smtClean="0"/>
-              <a:t>14</a:t>
+              <a:t>13</a:t>
             </a:fld>
             <a:endParaRPr lang="en-US"/>
           </a:p>
@@ -3169,7 +3176,7 @@
     </p:spTree>
     <p:extLst>
       <p:ext uri="{BB962C8B-B14F-4D97-AF65-F5344CB8AC3E}">
-        <p14:creationId xmlns:p14="http://schemas.microsoft.com/office/powerpoint/2010/main" val="2587828337"/>
+        <p14:creationId xmlns:p14="http://schemas.microsoft.com/office/powerpoint/2010/main" val="4187505834"/>
       </p:ext>
     </p:extLst>
   </p:cSld>
@@ -3223,6 +3230,38 @@
           <a:bodyPr/>
           <a:lstStyle/>
           <a:p>
+            <a:r>
+              <a:rPr lang="en-US" dirty="0"/>
+              <a:t>We start with a stable symmetric matrix A which allows us to do a lot in terms of our computations, then generate time series data and I find the maximum likelihood of x given mu, sigma, d,</a:t>
+            </a:r>
+          </a:p>
+          <a:p>
+            <a:endParaRPr lang="en-US" dirty="0"/>
+          </a:p>
+          <a:p>
+            <a:pPr marL="0" marR="0" lvl="0" indent="0" algn="l" defTabSz="914400" rtl="0" eaLnBrk="1" fontAlgn="auto" latinLnBrk="0" hangingPunct="1">
+              <a:lnSpc>
+                <a:spcPct val="100000"/>
+              </a:lnSpc>
+              <a:spcBef>
+                <a:spcPts val="0"/>
+              </a:spcBef>
+              <a:spcAft>
+                <a:spcPts val="0"/>
+              </a:spcAft>
+              <a:buClrTx/>
+              <a:buSzTx/>
+              <a:buFontTx/>
+              <a:buNone/>
+              <a:tabLst/>
+              <a:defRPr/>
+            </a:pPr>
+            <a:r>
+              <a:rPr lang="en-US" dirty="0"/>
+              <a:t>Clarify why and how this is different from what people have previously done, time series -&gt;matrix</a:t>
+            </a:r>
+          </a:p>
+          <a:p>
             <a:endParaRPr lang="en-US" dirty="0"/>
           </a:p>
         </p:txBody>
@@ -3253,7 +3292,7 @@
     </p:spTree>
     <p:extLst>
       <p:ext uri="{BB962C8B-B14F-4D97-AF65-F5344CB8AC3E}">
-        <p14:creationId xmlns:p14="http://schemas.microsoft.com/office/powerpoint/2010/main" val="1294619735"/>
+        <p14:creationId xmlns:p14="http://schemas.microsoft.com/office/powerpoint/2010/main" val="2587828337"/>
       </p:ext>
     </p:extLst>
   </p:cSld>
@@ -3307,18 +3346,7 @@
           <a:bodyPr/>
           <a:lstStyle/>
           <a:p>
-            <a:r>
-              <a:rPr lang="en-US" dirty="0"/>
-              <a:t>We took Data from discrete time steps. Generated X from a multivariate normal distribution of means mu* and covariance matrix C. We did this because our assumption of X in our calculations is that it comes from P(</a:t>
-            </a:r>
-            <a:r>
-              <a:rPr lang="en-US" dirty="0" err="1"/>
-              <a:t>x|A</a:t>
-            </a:r>
-            <a:r>
-              <a:rPr lang="en-US" dirty="0"/>
-              <a:t>) and to make sure this method for inferring parameters is valid, we want to make sure it works when our data perfectly fits our assumption</a:t>
-            </a:r>
+            <a:endParaRPr lang="en-US" dirty="0"/>
           </a:p>
         </p:txBody>
       </p:sp>
@@ -3348,7 +3376,7 @@
     </p:spTree>
     <p:extLst>
       <p:ext uri="{BB962C8B-B14F-4D97-AF65-F5344CB8AC3E}">
-        <p14:creationId xmlns:p14="http://schemas.microsoft.com/office/powerpoint/2010/main" val="695347709"/>
+        <p14:creationId xmlns:p14="http://schemas.microsoft.com/office/powerpoint/2010/main" val="1294619735"/>
       </p:ext>
     </p:extLst>
   </p:cSld>
@@ -3404,15 +3432,15 @@
           <a:p>
             <a:r>
               <a:rPr lang="en-US" dirty="0"/>
-              <a:t>Wigner theorized that the distribution of eigenvalues for a symmetric matrix A whose entries were randomly generated </a:t>
+              <a:t>We took Data from discrete time steps. Generated X from a multivariate normal distribution of means mu* and covariance matrix C. We did this because our assumption of X in our calculations is that it comes from P(</a:t>
             </a:r>
             <a:r>
               <a:rPr lang="en-US" dirty="0" err="1"/>
-              <a:t>independentely</a:t>
+              <a:t>x|A</a:t>
             </a:r>
             <a:r>
               <a:rPr lang="en-US" dirty="0"/>
-              <a:t> by a given distribution with mean: mu, variance :sigma and average diagonal elements d lie on a semicircular centered at d with diameter 2sigma</a:t>
+              <a:t>) and to make sure this method for inferring parameters is valid, we want to make sure it works when our data perfectly fits our assumption</a:t>
             </a:r>
           </a:p>
         </p:txBody>
@@ -3443,7 +3471,7 @@
     </p:spTree>
     <p:extLst>
       <p:ext uri="{BB962C8B-B14F-4D97-AF65-F5344CB8AC3E}">
-        <p14:creationId xmlns:p14="http://schemas.microsoft.com/office/powerpoint/2010/main" val="172463994"/>
+        <p14:creationId xmlns:p14="http://schemas.microsoft.com/office/powerpoint/2010/main" val="695347709"/>
       </p:ext>
     </p:extLst>
   </p:cSld>
@@ -3499,29 +3527,30 @@
           <a:p>
             <a:r>
               <a:rPr lang="en-US" dirty="0"/>
-              <a:t>The distribution of </a:t>
+              <a:t>Our goal is to maximize **, Since </a:t>
             </a:r>
             <a:r>
               <a:rPr lang="en-US" dirty="0" err="1"/>
-              <a:t>eiqenvalues</a:t>
+              <a:t>x_i^a</a:t>
             </a:r>
             <a:r>
               <a:rPr lang="en-US" dirty="0"/>
-              <a:t> is given by the equation sqrt(4sigma^2-(</a:t>
+              <a:t> are independent, the average probability of observing them given, </a:t>
             </a:r>
             <a:r>
               <a:rPr lang="en-US" dirty="0" err="1"/>
-              <a:t>lambda+d</a:t>
+              <a:t>mu,sigma</a:t>
             </a:r>
             <a:r>
               <a:rPr lang="en-US" dirty="0"/>
-              <a:t>)^2)/2pi sigma, and if we plot the eigen values of a symmetric matrix with entries from a standard normal distribution, we get this figure on </a:t>
-            </a:r>
-            <a:r>
-              <a:rPr lang="en-US"/>
-              <a:t>the right</a:t>
-            </a:r>
-            <a:endParaRPr lang="en-US" dirty="0"/>
+              <a:t>, d is given here</a:t>
+            </a:r>
+          </a:p>
+          <a:p>
+            <a:r>
+              <a:rPr lang="en-US" dirty="0"/>
+              <a:t>##columns not correlated rows are get rid of I </a:t>
+            </a:r>
           </a:p>
         </p:txBody>
       </p:sp>
@@ -3551,7 +3580,7 @@
     </p:spTree>
     <p:extLst>
       <p:ext uri="{BB962C8B-B14F-4D97-AF65-F5344CB8AC3E}">
-        <p14:creationId xmlns:p14="http://schemas.microsoft.com/office/powerpoint/2010/main" val="747916946"/>
+        <p14:creationId xmlns:p14="http://schemas.microsoft.com/office/powerpoint/2010/main" val="2751421240"/>
       </p:ext>
     </p:extLst>
   </p:cSld>
@@ -3607,23 +3636,79 @@
           <a:p>
             <a:r>
               <a:rPr lang="en-US" dirty="0"/>
-              <a:t>Our goal is to maximize **, Since </a:t>
+              <a:t>To simplify our calculations we assume A is an </a:t>
             </a:r>
             <a:r>
               <a:rPr lang="en-US" dirty="0" err="1"/>
-              <a:t>x_i^a</a:t>
+              <a:t>SxS</a:t>
             </a:r>
             <a:r>
               <a:rPr lang="en-US" dirty="0"/>
-              <a:t> are independent, the average probability of observing them given, </a:t>
+              <a:t> symmetric matrix and so that the variables, mu, sigma, d appear in the likelihood so that we can maximize likelihood with respect to them 1) </a:t>
             </a:r>
             <a:r>
               <a:rPr lang="en-US" dirty="0" err="1"/>
-              <a:t>mu,sigma</a:t>
+              <a:t>Aij</a:t>
             </a:r>
             <a:r>
               <a:rPr lang="en-US" dirty="0"/>
-              <a:t>, d is given here</a:t>
+              <a:t>=M/S +</a:t>
+            </a:r>
+            <a:r>
+              <a:rPr lang="en-US" dirty="0" err="1"/>
+              <a:t>Bij</a:t>
+            </a:r>
+            <a:r>
+              <a:rPr lang="en-US" dirty="0"/>
+              <a:t> where </a:t>
+            </a:r>
+            <a:r>
+              <a:rPr lang="en-US" dirty="0" err="1"/>
+              <a:t>Bij~N</a:t>
+            </a:r>
+            <a:r>
+              <a:rPr lang="en-US" dirty="0"/>
+              <a:t>(0, </a:t>
+            </a:r>
+            <a:r>
+              <a:rPr lang="en-US" dirty="0" err="1"/>
+              <a:t>sigma^s</a:t>
+            </a:r>
+            <a:r>
+              <a:rPr lang="en-US" dirty="0"/>
+              <a:t>/S) which is equivalent to saying </a:t>
+            </a:r>
+            <a:r>
+              <a:rPr lang="en-US" dirty="0" err="1"/>
+              <a:t>Aij~N</a:t>
+            </a:r>
+            <a:r>
+              <a:rPr lang="en-US" dirty="0"/>
+              <a:t>(m/S,sigma^2/S). 2) The diagonals </a:t>
+            </a:r>
+            <a:r>
+              <a:rPr lang="en-US" dirty="0" err="1"/>
+              <a:t>Aii</a:t>
+            </a:r>
+            <a:r>
+              <a:rPr lang="en-US" dirty="0"/>
+              <a:t>=-</a:t>
+            </a:r>
+            <a:r>
+              <a:rPr lang="en-US" dirty="0" err="1"/>
+              <a:t>d+mu</a:t>
+            </a:r>
+            <a:r>
+              <a:rPr lang="en-US" dirty="0"/>
+              <a:t>/S, and 3) . that the </a:t>
+            </a:r>
+            <a:r>
+              <a:rPr lang="en-US" dirty="0" err="1"/>
+              <a:t>detA</a:t>
+            </a:r>
+            <a:r>
+              <a:rPr lang="en-US" dirty="0"/>
+              <a:t> for large A are very close to each other. The determinant of a matrix A is given by the multiplication of its eigenvalues so we use the semicircular law from RMT to compute the average log determinant, log for simplicity reasons.</a:t>
             </a:r>
           </a:p>
         </p:txBody>
@@ -3654,7 +3739,7 @@
     </p:spTree>
     <p:extLst>
       <p:ext uri="{BB962C8B-B14F-4D97-AF65-F5344CB8AC3E}">
-        <p14:creationId xmlns:p14="http://schemas.microsoft.com/office/powerpoint/2010/main" val="2751421240"/>
+        <p14:creationId xmlns:p14="http://schemas.microsoft.com/office/powerpoint/2010/main" val="3625226293"/>
       </p:ext>
     </p:extLst>
   </p:cSld>
@@ -3710,79 +3795,15 @@
           <a:p>
             <a:r>
               <a:rPr lang="en-US" dirty="0"/>
-              <a:t>To simplify our calculations we assume A is an </a:t>
+              <a:t>Wigner theorized that the distribution of eigenvalues for a symmetric matrix A whose entries were randomly generated </a:t>
             </a:r>
             <a:r>
               <a:rPr lang="en-US" dirty="0" err="1"/>
-              <a:t>SxS</a:t>
+              <a:t>independentely</a:t>
             </a:r>
             <a:r>
               <a:rPr lang="en-US" dirty="0"/>
-              <a:t> symmetric matrix and so that the variables, mu, sigma, d appear in the likelihood so that we can maximize likelihood with respect to them 1) </a:t>
-            </a:r>
-            <a:r>
-              <a:rPr lang="en-US" dirty="0" err="1"/>
-              <a:t>Aij</a:t>
-            </a:r>
-            <a:r>
-              <a:rPr lang="en-US" dirty="0"/>
-              <a:t>=M/S +</a:t>
-            </a:r>
-            <a:r>
-              <a:rPr lang="en-US" dirty="0" err="1"/>
-              <a:t>Bij</a:t>
-            </a:r>
-            <a:r>
-              <a:rPr lang="en-US" dirty="0"/>
-              <a:t> where </a:t>
-            </a:r>
-            <a:r>
-              <a:rPr lang="en-US" dirty="0" err="1"/>
-              <a:t>Bij~N</a:t>
-            </a:r>
-            <a:r>
-              <a:rPr lang="en-US" dirty="0"/>
-              <a:t>(0, </a:t>
-            </a:r>
-            <a:r>
-              <a:rPr lang="en-US" dirty="0" err="1"/>
-              <a:t>sigma^s</a:t>
-            </a:r>
-            <a:r>
-              <a:rPr lang="en-US" dirty="0"/>
-              <a:t>/S) which is equivalent to saying </a:t>
-            </a:r>
-            <a:r>
-              <a:rPr lang="en-US" dirty="0" err="1"/>
-              <a:t>Aij~N</a:t>
-            </a:r>
-            <a:r>
-              <a:rPr lang="en-US" dirty="0"/>
-              <a:t>(m/S,sigma^2/S). 2) The diagonals </a:t>
-            </a:r>
-            <a:r>
-              <a:rPr lang="en-US" dirty="0" err="1"/>
-              <a:t>Aii</a:t>
-            </a:r>
-            <a:r>
-              <a:rPr lang="en-US" dirty="0"/>
-              <a:t>=-</a:t>
-            </a:r>
-            <a:r>
-              <a:rPr lang="en-US" dirty="0" err="1"/>
-              <a:t>d+mu</a:t>
-            </a:r>
-            <a:r>
-              <a:rPr lang="en-US" dirty="0"/>
-              <a:t>/S, and 3) . that the </a:t>
-            </a:r>
-            <a:r>
-              <a:rPr lang="en-US" dirty="0" err="1"/>
-              <a:t>detA</a:t>
-            </a:r>
-            <a:r>
-              <a:rPr lang="en-US" dirty="0"/>
-              <a:t> for large A are very close to each other. The determinant of a matrix A is given by the multiplication of its eigenvalues so we use the semicircular law from RMT to compute the average log determinant, log for simplicity reasons.</a:t>
+              <a:t> by a given distribution with mean: mu, variance :sigma and average diagonal elements d lie on a semicircular centered at d with diameter 2sigma</a:t>
             </a:r>
           </a:p>
         </p:txBody>
@@ -3813,7 +3834,7 @@
     </p:spTree>
     <p:extLst>
       <p:ext uri="{BB962C8B-B14F-4D97-AF65-F5344CB8AC3E}">
-        <p14:creationId xmlns:p14="http://schemas.microsoft.com/office/powerpoint/2010/main" val="3625226293"/>
+        <p14:creationId xmlns:p14="http://schemas.microsoft.com/office/powerpoint/2010/main" val="172463994"/>
       </p:ext>
     </p:extLst>
   </p:cSld>
@@ -3867,6 +3888,30 @@
           <a:bodyPr/>
           <a:lstStyle/>
           <a:p>
+            <a:r>
+              <a:rPr lang="en-US" dirty="0"/>
+              <a:t>The distribution of </a:t>
+            </a:r>
+            <a:r>
+              <a:rPr lang="en-US" dirty="0" err="1"/>
+              <a:t>eiqenvalues</a:t>
+            </a:r>
+            <a:r>
+              <a:rPr lang="en-US" dirty="0"/>
+              <a:t> is given by the equation sqrt(4sigma^2-(</a:t>
+            </a:r>
+            <a:r>
+              <a:rPr lang="en-US" dirty="0" err="1"/>
+              <a:t>lambda+d</a:t>
+            </a:r>
+            <a:r>
+              <a:rPr lang="en-US" dirty="0"/>
+              <a:t>)^2)/2pi sigma, and if we plot the eigen values of a symmetric matrix with entries from a standard normal distribution, we get this figure on </a:t>
+            </a:r>
+            <a:r>
+              <a:rPr lang="en-US"/>
+              <a:t>the right</a:t>
+            </a:r>
             <a:endParaRPr lang="en-US" dirty="0"/>
           </a:p>
         </p:txBody>
@@ -3897,7 +3942,7 @@
     </p:spTree>
     <p:extLst>
       <p:ext uri="{BB962C8B-B14F-4D97-AF65-F5344CB8AC3E}">
-        <p14:creationId xmlns:p14="http://schemas.microsoft.com/office/powerpoint/2010/main" val="4063675738"/>
+        <p14:creationId xmlns:p14="http://schemas.microsoft.com/office/powerpoint/2010/main" val="747916946"/>
       </p:ext>
     </p:extLst>
   </p:cSld>
@@ -3951,51 +3996,9 @@
           <a:bodyPr/>
           <a:lstStyle/>
           <a:p>
-            <a:pPr marL="171450" indent="-171450">
-              <a:buFont typeface="Arial" panose="020B0604020202020204" pitchFamily="34" charset="0"/>
-              <a:buChar char="•"/>
-            </a:pPr>
             <a:r>
               <a:rPr lang="en-US" dirty="0"/>
-              <a:t>First I will start off with some background about random matrix theory and the methods used in this paper: what it is, why it is useful in an ecological context, what is maximum likelihood and how all of these come together to achieve my goal</a:t>
-            </a:r>
-          </a:p>
-          <a:p>
-            <a:pPr marL="171450" indent="-171450">
-              <a:buFont typeface="Arial" panose="020B0604020202020204" pitchFamily="34" charset="0"/>
-              <a:buChar char="•"/>
-            </a:pPr>
-            <a:r>
-              <a:rPr lang="en-US" dirty="0"/>
-              <a:t>Then I will get into the methods where we will see how RMT played a large role in my idea: Some relevant results from random matrix theory that apply to my project, I will get a little bit into the calculations for maximum likelihood/ P(x|,</a:t>
-            </a:r>
-            <a:r>
-              <a:rPr lang="en-US" dirty="0" err="1"/>
-              <a:t>mu,sigma,d</a:t>
-            </a:r>
-            <a:r>
-              <a:rPr lang="en-US" dirty="0"/>
-              <a:t>) to solve for mu, sigma, d given my data set, the simulation of data to see how my likelihood equation behaves on a data set with no noise, the work done to extract parameter values from an arbitrary time series data set</a:t>
-            </a:r>
-          </a:p>
-          <a:p>
-            <a:pPr marL="171450" indent="-171450">
-              <a:buFont typeface="Arial" panose="020B0604020202020204" pitchFamily="34" charset="0"/>
-              <a:buChar char="•"/>
-            </a:pPr>
-            <a:r>
-              <a:rPr lang="en-US" dirty="0"/>
-              <a:t>And then get into my results: the values I obtained for my parameters as compared to their actual values and the behavior of my simulation output, more specifically the maximum likelihood given different parameter values</a:t>
-            </a:r>
-          </a:p>
-          <a:p>
-            <a:pPr marL="171450" indent="-171450">
-              <a:buFont typeface="Arial" panose="020B0604020202020204" pitchFamily="34" charset="0"/>
-              <a:buChar char="•"/>
-            </a:pPr>
-            <a:r>
-              <a:rPr lang="en-US" dirty="0"/>
-              <a:t>In the discussion I will address where I still want to go with this project</a:t>
+              <a:t>Clarify why and how this is different from what people have previously done, time series -&gt;matrix</a:t>
             </a:r>
           </a:p>
         </p:txBody>
@@ -4017,7 +4020,7 @@
           <a:p>
             <a:fld id="{E0746DE6-3336-457D-A091-FA20AC1C536E}" type="slidenum">
               <a:rPr lang="en-US" smtClean="0"/>
-              <a:t>3</a:t>
+              <a:t>2</a:t>
             </a:fld>
             <a:endParaRPr lang="en-US"/>
           </a:p>
@@ -4026,7 +4029,7 @@
     </p:spTree>
     <p:extLst>
       <p:ext uri="{BB962C8B-B14F-4D97-AF65-F5344CB8AC3E}">
-        <p14:creationId xmlns:p14="http://schemas.microsoft.com/office/powerpoint/2010/main" val="1786026880"/>
+        <p14:creationId xmlns:p14="http://schemas.microsoft.com/office/powerpoint/2010/main" val="470883206"/>
       </p:ext>
     </p:extLst>
   </p:cSld>
@@ -4080,18 +4083,7 @@
           <a:bodyPr/>
           <a:lstStyle/>
           <a:p>
-            <a:r>
-              <a:rPr lang="en-US" dirty="0"/>
-              <a:t>Since we are taking the average determinant of A we replace that term with D. The P(</a:t>
-            </a:r>
-            <a:r>
-              <a:rPr lang="en-US" dirty="0" err="1"/>
-              <a:t>x|mu,sigma,d</a:t>
-            </a:r>
-            <a:r>
-              <a:rPr lang="en-US" dirty="0"/>
-              <a:t>) becomes the equation above and when we take log and multiply by 2/N we get the equation below which is a more or less simplified version of the log likelihood.</a:t>
-            </a:r>
+            <a:endParaRPr lang="en-US" dirty="0"/>
           </a:p>
         </p:txBody>
       </p:sp>
@@ -4121,7 +4113,7 @@
     </p:spTree>
     <p:extLst>
       <p:ext uri="{BB962C8B-B14F-4D97-AF65-F5344CB8AC3E}">
-        <p14:creationId xmlns:p14="http://schemas.microsoft.com/office/powerpoint/2010/main" val="259570121"/>
+        <p14:creationId xmlns:p14="http://schemas.microsoft.com/office/powerpoint/2010/main" val="4063675738"/>
       </p:ext>
     </p:extLst>
   </p:cSld>
@@ -4177,23 +4169,15 @@
           <a:p>
             <a:r>
               <a:rPr lang="en-US" dirty="0"/>
-              <a:t>So then we take the partial derivate of log P </a:t>
+              <a:t>Since we are taking the average determinant of A we replace that term with D. The P(</a:t>
             </a:r>
             <a:r>
               <a:rPr lang="en-US" dirty="0" err="1"/>
-              <a:t>wrt</a:t>
+              <a:t>x|mu,sigma,d</a:t>
             </a:r>
             <a:r>
               <a:rPr lang="en-US" dirty="0"/>
-              <a:t> </a:t>
-            </a:r>
-            <a:r>
-              <a:rPr lang="en-US" dirty="0" err="1"/>
-              <a:t>mu,sigma</a:t>
-            </a:r>
-            <a:r>
-              <a:rPr lang="en-US" dirty="0"/>
-              <a:t> and d, set them equal to 0 and solve them for mu sigma and d</a:t>
+              <a:t>) becomes the equation above and when we take log and multiply by 2/N we get the equation below which is a more or less simplified version of the log likelihood.</a:t>
             </a:r>
           </a:p>
         </p:txBody>
@@ -4224,7 +4208,7 @@
     </p:spTree>
     <p:extLst>
       <p:ext uri="{BB962C8B-B14F-4D97-AF65-F5344CB8AC3E}">
-        <p14:creationId xmlns:p14="http://schemas.microsoft.com/office/powerpoint/2010/main" val="3780777141"/>
+        <p14:creationId xmlns:p14="http://schemas.microsoft.com/office/powerpoint/2010/main" val="259570121"/>
       </p:ext>
     </p:extLst>
   </p:cSld>
@@ -4278,6 +4262,47 @@
           <a:bodyPr/>
           <a:lstStyle/>
           <a:p>
+            <a:r>
+              <a:rPr lang="en-US" dirty="0"/>
+              <a:t>So then we take the partial derivate of log P </a:t>
+            </a:r>
+            <a:r>
+              <a:rPr lang="en-US" dirty="0" err="1"/>
+              <a:t>wrt</a:t>
+            </a:r>
+            <a:r>
+              <a:rPr lang="en-US" dirty="0"/>
+              <a:t> </a:t>
+            </a:r>
+            <a:r>
+              <a:rPr lang="en-US" dirty="0" err="1"/>
+              <a:t>mu,sigma</a:t>
+            </a:r>
+            <a:r>
+              <a:rPr lang="en-US" dirty="0"/>
+              <a:t> and d, set them equal to 0 and solve them for mu sigma and d</a:t>
+            </a:r>
+          </a:p>
+          <a:p>
+            <a:r>
+              <a:rPr lang="en-US" dirty="0"/>
+              <a:t>##</a:t>
+            </a:r>
+            <a:r>
+              <a:rPr lang="en-US" dirty="0" err="1"/>
+              <a:t>rhs</a:t>
+            </a:r>
+            <a:r>
+              <a:rPr lang="en-US" dirty="0"/>
+              <a:t> vs </a:t>
+            </a:r>
+            <a:r>
+              <a:rPr lang="en-US" dirty="0" err="1"/>
+              <a:t>lhs</a:t>
+            </a:r>
+            <a:endParaRPr lang="en-US"/>
+          </a:p>
+          <a:p>
             <a:endParaRPr lang="en-US" dirty="0"/>
           </a:p>
         </p:txBody>
@@ -4308,7 +4333,7 @@
     </p:spTree>
     <p:extLst>
       <p:ext uri="{BB962C8B-B14F-4D97-AF65-F5344CB8AC3E}">
-        <p14:creationId xmlns:p14="http://schemas.microsoft.com/office/powerpoint/2010/main" val="2481088683"/>
+        <p14:creationId xmlns:p14="http://schemas.microsoft.com/office/powerpoint/2010/main" val="3780777141"/>
       </p:ext>
     </p:extLst>
   </p:cSld>
@@ -4362,18 +4387,7 @@
           <a:bodyPr/>
           <a:lstStyle/>
           <a:p>
-            <a:r>
-              <a:rPr lang="en-US" dirty="0"/>
-              <a:t>My simulation predicted that the optimal </a:t>
-            </a:r>
-            <a:r>
-              <a:rPr lang="en-US" dirty="0" err="1"/>
-              <a:t>mu,sigma</a:t>
-            </a:r>
-            <a:r>
-              <a:rPr lang="en-US" dirty="0"/>
-              <a:t> and d, given my assumptions would be as follows</a:t>
-            </a:r>
+            <a:endParaRPr lang="en-US" dirty="0"/>
           </a:p>
         </p:txBody>
       </p:sp>
@@ -4403,7 +4417,7 @@
     </p:spTree>
     <p:extLst>
       <p:ext uri="{BB962C8B-B14F-4D97-AF65-F5344CB8AC3E}">
-        <p14:creationId xmlns:p14="http://schemas.microsoft.com/office/powerpoint/2010/main" val="1727786551"/>
+        <p14:creationId xmlns:p14="http://schemas.microsoft.com/office/powerpoint/2010/main" val="2481088683"/>
       </p:ext>
     </p:extLst>
   </p:cSld>
@@ -4647,7 +4661,18 @@
           <a:bodyPr/>
           <a:lstStyle/>
           <a:p>
-            <a:endParaRPr lang="en-US" dirty="0"/>
+            <a:r>
+              <a:rPr lang="en-US" dirty="0"/>
+              <a:t>My simulation predicted that the optimal </a:t>
+            </a:r>
+            <a:r>
+              <a:rPr lang="en-US" dirty="0" err="1"/>
+              <a:t>mu,sigma</a:t>
+            </a:r>
+            <a:r>
+              <a:rPr lang="en-US" dirty="0"/>
+              <a:t> and d, given my assumptions would be as follows</a:t>
+            </a:r>
           </a:p>
         </p:txBody>
       </p:sp>
@@ -4677,7 +4702,7 @@
     </p:spTree>
     <p:extLst>
       <p:ext uri="{BB962C8B-B14F-4D97-AF65-F5344CB8AC3E}">
-        <p14:creationId xmlns:p14="http://schemas.microsoft.com/office/powerpoint/2010/main" val="1035181810"/>
+        <p14:creationId xmlns:p14="http://schemas.microsoft.com/office/powerpoint/2010/main" val="1727786551"/>
       </p:ext>
     </p:extLst>
   </p:cSld>
@@ -4731,10 +4756,7 @@
           <a:bodyPr/>
           <a:lstStyle/>
           <a:p>
-            <a:r>
-              <a:rPr lang="en-US" dirty="0"/>
-              <a:t>In the future I would like to use real world data sets of different species, and maybe even try multiple data sets and see how different types of data fare under this method. It would also be cool to do some sensitivity analysis to see how much error exists for different data sets</a:t>
-            </a:r>
+            <a:endParaRPr lang="en-US" dirty="0"/>
           </a:p>
         </p:txBody>
       </p:sp>
@@ -4755,7 +4777,94 @@
           <a:p>
             <a:fld id="{E0746DE6-3336-457D-A091-FA20AC1C536E}" type="slidenum">
               <a:rPr lang="en-US" smtClean="0"/>
-              <a:t>30</a:t>
+              <a:t>29</a:t>
+            </a:fld>
+            <a:endParaRPr lang="en-US"/>
+          </a:p>
+        </p:txBody>
+      </p:sp>
+    </p:spTree>
+    <p:extLst>
+      <p:ext uri="{BB962C8B-B14F-4D97-AF65-F5344CB8AC3E}">
+        <p14:creationId xmlns:p14="http://schemas.microsoft.com/office/powerpoint/2010/main" val="1035181810"/>
+      </p:ext>
+    </p:extLst>
+  </p:cSld>
+  <p:clrMapOvr>
+    <a:masterClrMapping/>
+  </p:clrMapOvr>
+</p:notes>
+</file>
+
+<file path=ppt/notesSlides/notesSlide28.xml><?xml version="1.0" encoding="utf-8"?>
+<p:notes xmlns:a="http://schemas.openxmlformats.org/drawingml/2006/main" xmlns:r="http://schemas.openxmlformats.org/officeDocument/2006/relationships" xmlns:p="http://schemas.openxmlformats.org/presentationml/2006/main">
+  <p:cSld>
+    <p:spTree>
+      <p:nvGrpSpPr>
+        <p:cNvPr id="1" name=""/>
+        <p:cNvGrpSpPr/>
+        <p:nvPr/>
+      </p:nvGrpSpPr>
+      <p:grpSpPr>
+        <a:xfrm>
+          <a:off x="0" y="0"/>
+          <a:ext cx="0" cy="0"/>
+          <a:chOff x="0" y="0"/>
+          <a:chExt cx="0" cy="0"/>
+        </a:xfrm>
+      </p:grpSpPr>
+      <p:sp>
+        <p:nvSpPr>
+          <p:cNvPr id="2" name="Slide Image Placeholder 1"/>
+          <p:cNvSpPr>
+            <a:spLocks noGrp="1" noRot="1" noChangeAspect="1"/>
+          </p:cNvSpPr>
+          <p:nvPr>
+            <p:ph type="sldImg"/>
+          </p:nvPr>
+        </p:nvSpPr>
+        <p:spPr/>
+      </p:sp>
+      <p:sp>
+        <p:nvSpPr>
+          <p:cNvPr id="3" name="Notes Placeholder 2"/>
+          <p:cNvSpPr>
+            <a:spLocks noGrp="1"/>
+          </p:cNvSpPr>
+          <p:nvPr>
+            <p:ph type="body" idx="1"/>
+          </p:nvPr>
+        </p:nvSpPr>
+        <p:spPr/>
+        <p:txBody>
+          <a:bodyPr/>
+          <a:lstStyle/>
+          <a:p>
+            <a:r>
+              <a:rPr lang="en-US" dirty="0"/>
+              <a:t>In the future I would like to use real world data sets of different species, and maybe even try multiple data sets and see how different types of data fare under this method. It would also be cool to do some sensitivity analysis to see how much error exists for different data sets</a:t>
+            </a:r>
+          </a:p>
+        </p:txBody>
+      </p:sp>
+      <p:sp>
+        <p:nvSpPr>
+          <p:cNvPr id="4" name="Slide Number Placeholder 3"/>
+          <p:cNvSpPr>
+            <a:spLocks noGrp="1"/>
+          </p:cNvSpPr>
+          <p:nvPr>
+            <p:ph type="sldNum" sz="quarter" idx="10"/>
+          </p:nvPr>
+        </p:nvSpPr>
+        <p:spPr/>
+        <p:txBody>
+          <a:bodyPr/>
+          <a:lstStyle/>
+          <a:p>
+            <a:fld id="{E0746DE6-3336-457D-A091-FA20AC1C536E}" type="slidenum">
+              <a:rPr lang="en-US" smtClean="0"/>
+              <a:t>31</a:t>
             </a:fld>
             <a:endParaRPr lang="en-US"/>
           </a:p>
@@ -4818,7 +4927,52 @@
           <a:bodyPr/>
           <a:lstStyle/>
           <a:p>
-            <a:endParaRPr lang="en-US" dirty="0"/>
+            <a:pPr marL="171450" indent="-171450">
+              <a:buFont typeface="Arial" panose="020B0604020202020204" pitchFamily="34" charset="0"/>
+              <a:buChar char="•"/>
+            </a:pPr>
+            <a:r>
+              <a:rPr lang="en-US" dirty="0"/>
+              <a:t>First I will start off with some background about random matrix theory and the methods used in this paper: what it is, why it is useful in an ecological context, what is maximum likelihood and how all of these come together to achieve my goal</a:t>
+            </a:r>
+          </a:p>
+          <a:p>
+            <a:pPr marL="171450" indent="-171450">
+              <a:buFont typeface="Arial" panose="020B0604020202020204" pitchFamily="34" charset="0"/>
+              <a:buChar char="•"/>
+            </a:pPr>
+            <a:r>
+              <a:rPr lang="en-US" dirty="0"/>
+              <a:t>Then I will get into the methods where we will see how RMT played a large role in my idea: Some relevant results from random matrix theory that apply to my project, I will get a little bit into the calculations for maximum likelihood/ P(x|,</a:t>
+            </a:r>
+            <a:r>
+              <a:rPr lang="en-US" dirty="0" err="1"/>
+              <a:t>mu,sigma,d</a:t>
+            </a:r>
+            <a:r>
+              <a:rPr lang="en-US" dirty="0"/>
+              <a:t>) to solve for mu, sigma, d given my data set, the simulation of data to see how my likelihood equation behaves on a data set with no noise, the work done to extract parameter values from an arbitrary time series data set</a:t>
+            </a:r>
+          </a:p>
+          <a:p>
+            <a:pPr marL="171450" indent="-171450">
+              <a:buFont typeface="Arial" panose="020B0604020202020204" pitchFamily="34" charset="0"/>
+              <a:buChar char="•"/>
+            </a:pPr>
+            <a:r>
+              <a:rPr lang="en-US" dirty="0"/>
+              <a:t>And then get into my results: the values I obtained for my parameters as compared to their actual values and the behavior of my simulation output, more specifically the maximum likelihood given different parameter values</a:t>
+            </a:r>
+          </a:p>
+          <a:p>
+            <a:pPr marL="171450" indent="-171450">
+              <a:buFont typeface="Arial" panose="020B0604020202020204" pitchFamily="34" charset="0"/>
+              <a:buChar char="•"/>
+            </a:pPr>
+            <a:r>
+              <a:rPr lang="en-US" dirty="0"/>
+              <a:t>In the discussion I will address where I still want to go with this project</a:t>
+            </a:r>
           </a:p>
         </p:txBody>
       </p:sp>
@@ -4839,7 +4993,7 @@
           <a:p>
             <a:fld id="{E0746DE6-3336-457D-A091-FA20AC1C536E}" type="slidenum">
               <a:rPr lang="en-US" smtClean="0"/>
-              <a:t>4</a:t>
+              <a:t>3</a:t>
             </a:fld>
             <a:endParaRPr lang="en-US"/>
           </a:p>
@@ -4848,7 +5002,7 @@
     </p:spTree>
     <p:extLst>
       <p:ext uri="{BB962C8B-B14F-4D97-AF65-F5344CB8AC3E}">
-        <p14:creationId xmlns:p14="http://schemas.microsoft.com/office/powerpoint/2010/main" val="690933127"/>
+        <p14:creationId xmlns:p14="http://schemas.microsoft.com/office/powerpoint/2010/main" val="1786026880"/>
       </p:ext>
     </p:extLst>
   </p:cSld>
@@ -4902,12 +5056,6 @@
           <a:bodyPr/>
           <a:lstStyle/>
           <a:p>
-            <a:r>
-              <a:rPr lang="en-US" dirty="0">
-                <a:effectLst/>
-              </a:rPr>
-              <a:t>Random Matrix Theory is a combination of statistics and traditional matrix theory. In this field, many tools from statistics are used to describe matrices with random elements instead of relying on those individual elements. It allows us to generalize about certain characteristics of matrices with similar statistical properties. Many problems in physical systems modeling and biological systems modeling involve matrices with random entries</a:t>
-            </a:r>
             <a:endParaRPr lang="en-US" dirty="0"/>
           </a:p>
         </p:txBody>
@@ -4929,7 +5077,7 @@
           <a:p>
             <a:fld id="{E0746DE6-3336-457D-A091-FA20AC1C536E}" type="slidenum">
               <a:rPr lang="en-US" smtClean="0"/>
-              <a:t>5</a:t>
+              <a:t>4</a:t>
             </a:fld>
             <a:endParaRPr lang="en-US"/>
           </a:p>
@@ -4938,7 +5086,7 @@
     </p:spTree>
     <p:extLst>
       <p:ext uri="{BB962C8B-B14F-4D97-AF65-F5344CB8AC3E}">
-        <p14:creationId xmlns:p14="http://schemas.microsoft.com/office/powerpoint/2010/main" val="2279025732"/>
+        <p14:creationId xmlns:p14="http://schemas.microsoft.com/office/powerpoint/2010/main" val="690933127"/>
       </p:ext>
     </p:extLst>
   </p:cSld>
@@ -4996,173 +5144,7 @@
               <a:rPr lang="en-US" dirty="0">
                 <a:effectLst/>
               </a:rPr>
-              <a:t>Traditionally in one-dimensional models of population growth, there are birth rates $</a:t>
-            </a:r>
-            <a:r>
-              <a:rPr lang="en-US" dirty="0" err="1">
-                <a:effectLst/>
-              </a:rPr>
-              <a:t>r_b</a:t>
-            </a:r>
-            <a:r>
-              <a:rPr lang="en-US" dirty="0">
-                <a:effectLst/>
-              </a:rPr>
-              <a:t>$, death rates $</a:t>
-            </a:r>
-            <a:r>
-              <a:rPr lang="en-US" dirty="0" err="1">
-                <a:effectLst/>
-              </a:rPr>
-              <a:t>r_d</a:t>
-            </a:r>
-            <a:r>
-              <a:rPr lang="en-US" dirty="0">
-                <a:effectLst/>
-              </a:rPr>
-              <a:t>$, and a carrying capacity, K. *Model*. Although, if we want to include the effects of other species on a single species, in ecological models of population growth across species we often include something called an interaction matrix. It describes the way that different species interact with each other and effect each others survival whether it be positively, negatively or with no effect at all. The simplest (Stochastic) model of populations size of the </a:t>
-            </a:r>
-            <a:r>
-              <a:rPr lang="en-US" dirty="0" err="1">
-                <a:effectLst/>
-              </a:rPr>
-              <a:t>ith</a:t>
-            </a:r>
-            <a:r>
-              <a:rPr lang="en-US" dirty="0">
-                <a:effectLst/>
-              </a:rPr>
-              <a:t> species in an ecosystem is given by</a:t>
-            </a:r>
-          </a:p>
-          <a:p>
-            <a:endParaRPr lang="en-US" dirty="0">
-              <a:effectLst/>
-            </a:endParaRPr>
-          </a:p>
-          <a:p>
-            <a:r>
-              <a:rPr lang="en-US" dirty="0">
-                <a:effectLst/>
-              </a:rPr>
-              <a:t>$</a:t>
-            </a:r>
-            <a:r>
-              <a:rPr lang="en-US" dirty="0" err="1">
-                <a:effectLst/>
-              </a:rPr>
-              <a:t>y_i</a:t>
-            </a:r>
-            <a:r>
-              <a:rPr lang="en-US" dirty="0">
-                <a:effectLst/>
-              </a:rPr>
-              <a:t>(t+1)=y(t) + \Delta t(</a:t>
-            </a:r>
-            <a:r>
-              <a:rPr lang="en-US" dirty="0" err="1">
-                <a:effectLst/>
-              </a:rPr>
-              <a:t>A_ij</a:t>
-            </a:r>
-            <a:r>
-              <a:rPr lang="en-US" dirty="0">
-                <a:effectLst/>
-              </a:rPr>
-              <a:t> * </a:t>
-            </a:r>
-            <a:r>
-              <a:rPr lang="en-US" dirty="0" err="1">
-                <a:effectLst/>
-              </a:rPr>
-              <a:t>y_i</a:t>
-            </a:r>
-            <a:r>
-              <a:rPr lang="en-US" dirty="0">
-                <a:effectLst/>
-              </a:rPr>
-              <a:t> +\</a:t>
-            </a:r>
-            <a:r>
-              <a:rPr lang="en-US" dirty="0" err="1">
-                <a:effectLst/>
-              </a:rPr>
-              <a:t>xi_i</a:t>
-            </a:r>
-            <a:r>
-              <a:rPr lang="en-US" dirty="0">
-                <a:effectLst/>
-              </a:rPr>
-              <a:t>)$</a:t>
-            </a:r>
-          </a:p>
-          <a:p>
-            <a:r>
-              <a:rPr lang="en-US" dirty="0">
-                <a:effectLst/>
-              </a:rPr>
-              <a:t>where $</a:t>
-            </a:r>
-            <a:r>
-              <a:rPr lang="en-US" dirty="0" err="1">
-                <a:effectLst/>
-              </a:rPr>
-              <a:t>y_i</a:t>
-            </a:r>
-            <a:r>
-              <a:rPr lang="en-US" dirty="0">
-                <a:effectLst/>
-              </a:rPr>
-              <a:t>(t)$ is the population of species </a:t>
-            </a:r>
-            <a:r>
-              <a:rPr lang="en-US" dirty="0" err="1">
-                <a:effectLst/>
-              </a:rPr>
-              <a:t>i</a:t>
-            </a:r>
-            <a:r>
-              <a:rPr lang="en-US" dirty="0">
-                <a:effectLst/>
-              </a:rPr>
-              <a:t> at time t, $\</a:t>
-            </a:r>
-            <a:r>
-              <a:rPr lang="en-US" dirty="0" err="1">
-                <a:effectLst/>
-              </a:rPr>
-              <a:t>xi_i</a:t>
-            </a:r>
-            <a:r>
-              <a:rPr lang="en-US" dirty="0">
-                <a:effectLst/>
-              </a:rPr>
-              <a:t>$ is random noise that might affect a species growth, and $</a:t>
-            </a:r>
-            <a:r>
-              <a:rPr lang="en-US" dirty="0" err="1">
-                <a:effectLst/>
-              </a:rPr>
-              <a:t>A_ij</a:t>
-            </a:r>
-            <a:r>
-              <a:rPr lang="en-US" dirty="0">
-                <a:effectLst/>
-              </a:rPr>
-              <a:t>$ is the matrix that describes the interactions between the species.</a:t>
-            </a:r>
-          </a:p>
-          <a:p>
-            <a:endParaRPr lang="en-US" dirty="0">
-              <a:effectLst/>
-            </a:endParaRPr>
-          </a:p>
-          <a:p>
-            <a:r>
-              <a:rPr lang="en-US" dirty="0">
-                <a:effectLst/>
-              </a:rPr>
-              <a:t>For my project I used this version of the equation and used small dt, which is similar to using the deterministic model</a:t>
+              <a:t>Random Matrix Theory is a combination of statistics and traditional matrix theory. In this field, many tools from statistics are used to describe matrices with random elements instead of relying on those individual elements. It allows us to generalize about certain characteristics of matrices with similar statistical properties. Many problems in physical systems modeling and biological systems modeling involve matrices with random entries</a:t>
             </a:r>
             <a:endParaRPr lang="en-US" dirty="0"/>
           </a:p>
@@ -5185,7 +5167,7 @@
           <a:p>
             <a:fld id="{E0746DE6-3336-457D-A091-FA20AC1C536E}" type="slidenum">
               <a:rPr lang="en-US" smtClean="0"/>
-              <a:t>6</a:t>
+              <a:t>5</a:t>
             </a:fld>
             <a:endParaRPr lang="en-US"/>
           </a:p>
@@ -5194,7 +5176,7 @@
     </p:spTree>
     <p:extLst>
       <p:ext uri="{BB962C8B-B14F-4D97-AF65-F5344CB8AC3E}">
-        <p14:creationId xmlns:p14="http://schemas.microsoft.com/office/powerpoint/2010/main" val="543960220"/>
+        <p14:creationId xmlns:p14="http://schemas.microsoft.com/office/powerpoint/2010/main" val="2279025732"/>
       </p:ext>
     </p:extLst>
   </p:cSld>
@@ -5249,9 +5231,178 @@
           <a:lstStyle/>
           <a:p>
             <a:r>
-              <a:rPr lang="en-US" dirty="0"/>
-              <a:t>For a two species interaction case with interaction matrix on the left, the model can b expanded to the equations on the right</a:t>
-            </a:r>
+              <a:rPr lang="en-US" dirty="0">
+                <a:effectLst/>
+              </a:rPr>
+              <a:t>Traditionally in one-dimensional models of population growth, there are birth rates $</a:t>
+            </a:r>
+            <a:r>
+              <a:rPr lang="en-US" dirty="0" err="1">
+                <a:effectLst/>
+              </a:rPr>
+              <a:t>r_b</a:t>
+            </a:r>
+            <a:r>
+              <a:rPr lang="en-US" dirty="0">
+                <a:effectLst/>
+              </a:rPr>
+              <a:t>$, death rates $</a:t>
+            </a:r>
+            <a:r>
+              <a:rPr lang="en-US" dirty="0" err="1">
+                <a:effectLst/>
+              </a:rPr>
+              <a:t>r_d</a:t>
+            </a:r>
+            <a:r>
+              <a:rPr lang="en-US" dirty="0">
+                <a:effectLst/>
+              </a:rPr>
+              <a:t>$, and a carrying capacity, K. *Model*. Although, if we want to include the effects of other species on a single species, in ecological models of population growth across species we often include something called an interaction matrix. It describes the way that different species interact with each other and effect each others survival whether it be positively, negatively or with no effect at all. The simplest (Stochastic) model of populations size of the </a:t>
+            </a:r>
+            <a:r>
+              <a:rPr lang="en-US" dirty="0" err="1">
+                <a:effectLst/>
+              </a:rPr>
+              <a:t>ith</a:t>
+            </a:r>
+            <a:r>
+              <a:rPr lang="en-US" dirty="0">
+                <a:effectLst/>
+              </a:rPr>
+              <a:t> species in an ecosystem is given by</a:t>
+            </a:r>
+          </a:p>
+          <a:p>
+            <a:endParaRPr lang="en-US" dirty="0">
+              <a:effectLst/>
+            </a:endParaRPr>
+          </a:p>
+          <a:p>
+            <a:r>
+              <a:rPr lang="en-US" dirty="0">
+                <a:effectLst/>
+              </a:rPr>
+              <a:t>$</a:t>
+            </a:r>
+            <a:r>
+              <a:rPr lang="en-US" dirty="0" err="1">
+                <a:effectLst/>
+              </a:rPr>
+              <a:t>y_i</a:t>
+            </a:r>
+            <a:r>
+              <a:rPr lang="en-US" dirty="0">
+                <a:effectLst/>
+              </a:rPr>
+              <a:t>(t+1)=y(t) + \Delta t(</a:t>
+            </a:r>
+            <a:r>
+              <a:rPr lang="en-US" dirty="0" err="1">
+                <a:effectLst/>
+              </a:rPr>
+              <a:t>A_ij</a:t>
+            </a:r>
+            <a:r>
+              <a:rPr lang="en-US" dirty="0">
+                <a:effectLst/>
+              </a:rPr>
+              <a:t> * </a:t>
+            </a:r>
+            <a:r>
+              <a:rPr lang="en-US" dirty="0" err="1">
+                <a:effectLst/>
+              </a:rPr>
+              <a:t>y_i</a:t>
+            </a:r>
+            <a:r>
+              <a:rPr lang="en-US" dirty="0">
+                <a:effectLst/>
+              </a:rPr>
+              <a:t> +\</a:t>
+            </a:r>
+            <a:r>
+              <a:rPr lang="en-US" dirty="0" err="1">
+                <a:effectLst/>
+              </a:rPr>
+              <a:t>xi_i</a:t>
+            </a:r>
+            <a:r>
+              <a:rPr lang="en-US" dirty="0">
+                <a:effectLst/>
+              </a:rPr>
+              <a:t>)$</a:t>
+            </a:r>
+          </a:p>
+          <a:p>
+            <a:r>
+              <a:rPr lang="en-US" dirty="0">
+                <a:effectLst/>
+              </a:rPr>
+              <a:t>where $</a:t>
+            </a:r>
+            <a:r>
+              <a:rPr lang="en-US" dirty="0" err="1">
+                <a:effectLst/>
+              </a:rPr>
+              <a:t>y_i</a:t>
+            </a:r>
+            <a:r>
+              <a:rPr lang="en-US" dirty="0">
+                <a:effectLst/>
+              </a:rPr>
+              <a:t>(t)$ is the population of species </a:t>
+            </a:r>
+            <a:r>
+              <a:rPr lang="en-US" dirty="0" err="1">
+                <a:effectLst/>
+              </a:rPr>
+              <a:t>i</a:t>
+            </a:r>
+            <a:r>
+              <a:rPr lang="en-US" dirty="0">
+                <a:effectLst/>
+              </a:rPr>
+              <a:t> at time t, $\</a:t>
+            </a:r>
+            <a:r>
+              <a:rPr lang="en-US" dirty="0" err="1">
+                <a:effectLst/>
+              </a:rPr>
+              <a:t>xi_i</a:t>
+            </a:r>
+            <a:r>
+              <a:rPr lang="en-US" dirty="0">
+                <a:effectLst/>
+              </a:rPr>
+              <a:t>$ is random noise that might affect a species growth, and $</a:t>
+            </a:r>
+            <a:r>
+              <a:rPr lang="en-US" dirty="0" err="1">
+                <a:effectLst/>
+              </a:rPr>
+              <a:t>A_ij</a:t>
+            </a:r>
+            <a:r>
+              <a:rPr lang="en-US" dirty="0">
+                <a:effectLst/>
+              </a:rPr>
+              <a:t>$ is the matrix that describes the interactions between the species.</a:t>
+            </a:r>
+          </a:p>
+          <a:p>
+            <a:endParaRPr lang="en-US" dirty="0">
+              <a:effectLst/>
+            </a:endParaRPr>
+          </a:p>
+          <a:p>
+            <a:r>
+              <a:rPr lang="en-US" dirty="0">
+                <a:effectLst/>
+              </a:rPr>
+              <a:t>For my project I used this version of the equation and used small dt, which is similar to using the deterministic model</a:t>
+            </a:r>
+            <a:endParaRPr lang="en-US" dirty="0"/>
           </a:p>
         </p:txBody>
       </p:sp>
@@ -5272,7 +5423,7 @@
           <a:p>
             <a:fld id="{E0746DE6-3336-457D-A091-FA20AC1C536E}" type="slidenum">
               <a:rPr lang="en-US" smtClean="0"/>
-              <a:t>8</a:t>
+              <a:t>6</a:t>
             </a:fld>
             <a:endParaRPr lang="en-US"/>
           </a:p>
@@ -5281,7 +5432,7 @@
     </p:spTree>
     <p:extLst>
       <p:ext uri="{BB962C8B-B14F-4D97-AF65-F5344CB8AC3E}">
-        <p14:creationId xmlns:p14="http://schemas.microsoft.com/office/powerpoint/2010/main" val="693994352"/>
+        <p14:creationId xmlns:p14="http://schemas.microsoft.com/office/powerpoint/2010/main" val="543960220"/>
       </p:ext>
     </p:extLst>
   </p:cSld>
@@ -5337,13 +5488,7 @@
           <a:p>
             <a:r>
               <a:rPr lang="en-US" dirty="0"/>
-              <a:t>In this case, for interaction matrix like the one on the left, the model expands to the equations on the right.</a:t>
-            </a:r>
-          </a:p>
-          <a:p>
-            <a:r>
-              <a:rPr lang="en-US" dirty="0"/>
-              <a:t>In both cases the species are only affecting themselves, and positively (the y2 term gets dropped from the first equation the y1 term get dropped form the2nd) so we would say that the species are not interacting</a:t>
+              <a:t>For a two species interaction case with interaction matrix on the left, the model can b expanded to the equations on the right</a:t>
             </a:r>
           </a:p>
         </p:txBody>
@@ -5365,7 +5510,7 @@
           <a:p>
             <a:fld id="{E0746DE6-3336-457D-A091-FA20AC1C536E}" type="slidenum">
               <a:rPr lang="en-US" smtClean="0"/>
-              <a:t>9</a:t>
+              <a:t>8</a:t>
             </a:fld>
             <a:endParaRPr lang="en-US"/>
           </a:p>
@@ -5374,7 +5519,7 @@
     </p:spTree>
     <p:extLst>
       <p:ext uri="{BB962C8B-B14F-4D97-AF65-F5344CB8AC3E}">
-        <p14:creationId xmlns:p14="http://schemas.microsoft.com/office/powerpoint/2010/main" val="3994134334"/>
+        <p14:creationId xmlns:p14="http://schemas.microsoft.com/office/powerpoint/2010/main" val="693994352"/>
       </p:ext>
     </p:extLst>
   </p:cSld>
@@ -5436,7 +5581,7 @@
           <a:p>
             <a:r>
               <a:rPr lang="en-US" dirty="0"/>
-              <a:t>This is modeling commensalism between the two species. Species 1 is not being affected by the actions of species 2 but species 2 is positively benefiting from the actions of species 1</a:t>
+              <a:t>In both cases the species are only affecting themselves, and positively (the y2 term gets dropped from the first equation the y1 term get dropped form the2nd) so we would say that the species are not interacting</a:t>
             </a:r>
           </a:p>
         </p:txBody>
@@ -5458,7 +5603,7 @@
           <a:p>
             <a:fld id="{E0746DE6-3336-457D-A091-FA20AC1C536E}" type="slidenum">
               <a:rPr lang="en-US" smtClean="0"/>
-              <a:t>10</a:t>
+              <a:t>9</a:t>
             </a:fld>
             <a:endParaRPr lang="en-US"/>
           </a:p>
@@ -5467,7 +5612,7 @@
     </p:spTree>
     <p:extLst>
       <p:ext uri="{BB962C8B-B14F-4D97-AF65-F5344CB8AC3E}">
-        <p14:creationId xmlns:p14="http://schemas.microsoft.com/office/powerpoint/2010/main" val="2046123805"/>
+        <p14:creationId xmlns:p14="http://schemas.microsoft.com/office/powerpoint/2010/main" val="3994134334"/>
       </p:ext>
     </p:extLst>
   </p:cSld>
@@ -5529,7 +5674,7 @@
           <a:p>
             <a:r>
               <a:rPr lang="en-US" dirty="0"/>
-              <a:t>This is modeling parasitism between the two species. Species 1 is being negatively affected by the actions of species 2 but species 2 is positively benefiting from the actions of species 1</a:t>
+              <a:t>This is modeling commensalism between the two species. Species 1 is not being affected by the actions of species 2 but species 2 is positively benefiting from the actions of species 1</a:t>
             </a:r>
           </a:p>
         </p:txBody>
@@ -5551,7 +5696,7 @@
           <a:p>
             <a:fld id="{E0746DE6-3336-457D-A091-FA20AC1C536E}" type="slidenum">
               <a:rPr lang="en-US" smtClean="0"/>
-              <a:t>11</a:t>
+              <a:t>10</a:t>
             </a:fld>
             <a:endParaRPr lang="en-US"/>
           </a:p>
@@ -5560,7 +5705,7 @@
     </p:spTree>
     <p:extLst>
       <p:ext uri="{BB962C8B-B14F-4D97-AF65-F5344CB8AC3E}">
-        <p14:creationId xmlns:p14="http://schemas.microsoft.com/office/powerpoint/2010/main" val="2135244824"/>
+        <p14:creationId xmlns:p14="http://schemas.microsoft.com/office/powerpoint/2010/main" val="2046123805"/>
       </p:ext>
     </p:extLst>
   </p:cSld>
@@ -12640,6 +12785,104 @@
 <file path=ppt/slides/slide14.xml><?xml version="1.0" encoding="utf-8"?>
 <p:sld xmlns:a="http://schemas.openxmlformats.org/drawingml/2006/main" xmlns:r="http://schemas.openxmlformats.org/officeDocument/2006/relationships" xmlns:p="http://schemas.openxmlformats.org/presentationml/2006/main">
   <p:cSld>
+    <p:spTree>
+      <p:nvGrpSpPr>
+        <p:cNvPr id="1" name=""/>
+        <p:cNvGrpSpPr/>
+        <p:nvPr/>
+      </p:nvGrpSpPr>
+      <p:grpSpPr>
+        <a:xfrm>
+          <a:off x="0" y="0"/>
+          <a:ext cx="0" cy="0"/>
+          <a:chOff x="0" y="0"/>
+          <a:chExt cx="0" cy="0"/>
+        </a:xfrm>
+      </p:grpSpPr>
+      <p:sp>
+        <p:nvSpPr>
+          <p:cNvPr id="2" name="Title 1">
+            <a:extLst>
+              <a:ext uri="{FF2B5EF4-FFF2-40B4-BE49-F238E27FC236}">
+                <a16:creationId xmlns:a16="http://schemas.microsoft.com/office/drawing/2014/main" id="{6678FB94-A1A1-4614-8E87-F05C3E2062DA}"/>
+              </a:ext>
+            </a:extLst>
+          </p:cNvPr>
+          <p:cNvSpPr>
+            <a:spLocks noGrp="1"/>
+          </p:cNvSpPr>
+          <p:nvPr>
+            <p:ph type="title"/>
+          </p:nvPr>
+        </p:nvSpPr>
+        <p:spPr/>
+        <p:txBody>
+          <a:bodyPr/>
+          <a:lstStyle/>
+          <a:p>
+            <a:r>
+              <a:rPr lang="en-US" dirty="0"/>
+              <a:t>Statistical Properties </a:t>
+            </a:r>
+          </a:p>
+        </p:txBody>
+      </p:sp>
+      <p:sp>
+        <p:nvSpPr>
+          <p:cNvPr id="3" name="Content Placeholder 2">
+            <a:extLst>
+              <a:ext uri="{FF2B5EF4-FFF2-40B4-BE49-F238E27FC236}">
+                <a16:creationId xmlns:a16="http://schemas.microsoft.com/office/drawing/2014/main" id="{66A76207-4E58-45A9-8EBB-3327B2949A0A}"/>
+              </a:ext>
+            </a:extLst>
+          </p:cNvPr>
+          <p:cNvSpPr>
+            <a:spLocks noGrp="1"/>
+          </p:cNvSpPr>
+          <p:nvPr>
+            <p:ph idx="1"/>
+          </p:nvPr>
+        </p:nvSpPr>
+        <p:spPr/>
+        <p:txBody>
+          <a:bodyPr/>
+          <a:lstStyle/>
+          <a:p>
+            <a:r>
+              <a:rPr lang="en-US" dirty="0"/>
+              <a:t>Mu</a:t>
+            </a:r>
+          </a:p>
+          <a:p>
+            <a:r>
+              <a:rPr lang="en-US" dirty="0"/>
+              <a:t>Sigma</a:t>
+            </a:r>
+          </a:p>
+          <a:p>
+            <a:r>
+              <a:rPr lang="en-US" dirty="0"/>
+              <a:t>d</a:t>
+            </a:r>
+          </a:p>
+        </p:txBody>
+      </p:sp>
+    </p:spTree>
+    <p:extLst>
+      <p:ext uri="{BB962C8B-B14F-4D97-AF65-F5344CB8AC3E}">
+        <p14:creationId xmlns:p14="http://schemas.microsoft.com/office/powerpoint/2010/main" val="2817628062"/>
+      </p:ext>
+    </p:extLst>
+  </p:cSld>
+  <p:clrMapOvr>
+    <a:masterClrMapping/>
+  </p:clrMapOvr>
+</p:sld>
+</file>
+
+<file path=ppt/slides/slide15.xml><?xml version="1.0" encoding="utf-8"?>
+<p:sld xmlns:a="http://schemas.openxmlformats.org/drawingml/2006/main" xmlns:r="http://schemas.openxmlformats.org/officeDocument/2006/relationships" xmlns:p="http://schemas.openxmlformats.org/presentationml/2006/main">
+  <p:cSld>
     <p:bg>
       <p:bgPr>
         <a:solidFill>
@@ -13005,7 +13248,7 @@
 </p:sld>
 </file>
 
-<file path=ppt/slides/slide15.xml><?xml version="1.0" encoding="utf-8"?>
+<file path=ppt/slides/slide16.xml><?xml version="1.0" encoding="utf-8"?>
 <p:sld xmlns:a="http://schemas.openxmlformats.org/drawingml/2006/main" xmlns:r="http://schemas.openxmlformats.org/officeDocument/2006/relationships" xmlns:p="http://schemas.openxmlformats.org/presentationml/2006/main">
   <p:cSld>
     <p:bg>
@@ -13218,7 +13461,7 @@
 </p:sld>
 </file>
 
-<file path=ppt/slides/slide16.xml><?xml version="1.0" encoding="utf-8"?>
+<file path=ppt/slides/slide17.xml><?xml version="1.0" encoding="utf-8"?>
 <p:sld xmlns:a="http://schemas.openxmlformats.org/drawingml/2006/main" xmlns:r="http://schemas.openxmlformats.org/officeDocument/2006/relationships" xmlns:p="http://schemas.openxmlformats.org/presentationml/2006/main">
   <p:cSld>
     <p:bg>
@@ -13461,7 +13704,7 @@
         </p:blipFill>
         <p:spPr bwMode="auto">
           <a:xfrm>
-            <a:off x="4976030" y="3944038"/>
+            <a:off x="4976031" y="3944038"/>
             <a:ext cx="5581469" cy="856562"/>
           </a:xfrm>
           <a:prstGeom prst="rect">
@@ -13523,7 +13766,921 @@
 </p:sld>
 </file>
 
-<file path=ppt/slides/slide17.xml><?xml version="1.0" encoding="utf-8"?>
+<file path=ppt/slides/slide18.xml><?xml version="1.0" encoding="utf-8"?>
+<p:sld xmlns:a="http://schemas.openxmlformats.org/drawingml/2006/main" xmlns:r="http://schemas.openxmlformats.org/officeDocument/2006/relationships" xmlns:p="http://schemas.openxmlformats.org/presentationml/2006/main">
+  <p:cSld>
+    <p:bg>
+      <p:bgPr>
+        <a:solidFill>
+          <a:schemeClr val="bg1"/>
+        </a:solidFill>
+        <a:effectLst/>
+      </p:bgPr>
+    </p:bg>
+    <p:spTree>
+      <p:nvGrpSpPr>
+        <p:cNvPr id="1" name=""/>
+        <p:cNvGrpSpPr/>
+        <p:nvPr/>
+      </p:nvGrpSpPr>
+      <p:grpSpPr>
+        <a:xfrm>
+          <a:off x="0" y="0"/>
+          <a:ext cx="0" cy="0"/>
+          <a:chOff x="0" y="0"/>
+          <a:chExt cx="0" cy="0"/>
+        </a:xfrm>
+      </p:grpSpPr>
+      <p:sp>
+        <p:nvSpPr>
+          <p:cNvPr id="9" name="Rectangle 8">
+            <a:extLst>
+              <a:ext uri="{FF2B5EF4-FFF2-40B4-BE49-F238E27FC236}">
+                <a16:creationId xmlns:a16="http://schemas.microsoft.com/office/drawing/2014/main" id="{8D70B121-56F4-4848-B38B-182089D909FA}"/>
+              </a:ext>
+              <a:ext uri="{C183D7F6-B498-43B3-948B-1728B52AA6E4}">
+                <adec:decorative xmlns:adec="http://schemas.microsoft.com/office/drawing/2017/decorative" val="1"/>
+              </a:ext>
+            </a:extLst>
+          </p:cNvPr>
+          <p:cNvSpPr>
+            <a:spLocks noGrp="1" noRot="1" noChangeAspect="1" noMove="1" noResize="1" noEditPoints="1" noAdjustHandles="1" noChangeArrowheads="1" noChangeShapeType="1" noTextEdit="1"/>
+          </p:cNvSpPr>
+          <p:nvPr>
+            <p:extLst>
+              <p:ext uri="{386F3935-93C4-4BCD-93E2-E3B085C9AB24}">
+                <p16:designElem xmlns:p16="http://schemas.microsoft.com/office/powerpoint/2015/main" val="1"/>
+              </p:ext>
+            </p:extLst>
+          </p:nvPr>
+        </p:nvSpPr>
+        <p:spPr bwMode="ltGray">
+          <a:xfrm>
+            <a:off x="321564" y="320040"/>
+            <a:ext cx="11548872" cy="6217920"/>
+          </a:xfrm>
+          <a:prstGeom prst="rect">
+            <a:avLst/>
+          </a:prstGeom>
+          <a:solidFill>
+            <a:schemeClr val="tx1">
+              <a:alpha val="8000"/>
+            </a:schemeClr>
+          </a:solidFill>
+          <a:ln w="127000" cap="sq" cmpd="thinThick">
+            <a:noFill/>
+          </a:ln>
+        </p:spPr>
+        <p:style>
+          <a:lnRef idx="2">
+            <a:schemeClr val="accent1">
+              <a:shade val="50000"/>
+            </a:schemeClr>
+          </a:lnRef>
+          <a:fillRef idx="1">
+            <a:schemeClr val="accent1"/>
+          </a:fillRef>
+          <a:effectRef idx="0">
+            <a:schemeClr val="accent1"/>
+          </a:effectRef>
+          <a:fontRef idx="minor">
+            <a:schemeClr val="lt1"/>
+          </a:fontRef>
+        </p:style>
+        <p:txBody>
+          <a:bodyPr rtlCol="0" anchor="ctr"/>
+          <a:lstStyle/>
+          <a:p>
+            <a:pPr algn="ctr"/>
+            <a:endParaRPr lang="en-US"/>
+          </a:p>
+        </p:txBody>
+      </p:sp>
+      <p:sp>
+        <p:nvSpPr>
+          <p:cNvPr id="2" name="Title 1"/>
+          <p:cNvSpPr>
+            <a:spLocks noGrp="1"/>
+          </p:cNvSpPr>
+          <p:nvPr>
+            <p:ph type="title"/>
+          </p:nvPr>
+        </p:nvSpPr>
+        <p:spPr>
+          <a:xfrm>
+            <a:off x="855224" y="963877"/>
+            <a:ext cx="3494362" cy="4930246"/>
+          </a:xfrm>
+        </p:spPr>
+        <p:txBody>
+          <a:bodyPr>
+            <a:normAutofit/>
+          </a:bodyPr>
+          <a:lstStyle/>
+          <a:p>
+            <a:pPr algn="r"/>
+            <a:r>
+              <a:rPr lang="en-US" dirty="0">
+                <a:solidFill>
+                  <a:schemeClr val="accent1"/>
+                </a:solidFill>
+              </a:rPr>
+              <a:t>How Did I Derive The Maximum Likelihood Equation?</a:t>
+            </a:r>
+          </a:p>
+        </p:txBody>
+      </p:sp>
+      <p:cxnSp>
+        <p:nvCxnSpPr>
+          <p:cNvPr id="11" name="Straight Connector 10">
+            <a:extLst>
+              <a:ext uri="{FF2B5EF4-FFF2-40B4-BE49-F238E27FC236}">
+                <a16:creationId xmlns:a16="http://schemas.microsoft.com/office/drawing/2014/main" id="{2D72A2C9-F3CA-4216-8BAD-FA4C970C3C4E}"/>
+              </a:ext>
+              <a:ext uri="{C183D7F6-B498-43B3-948B-1728B52AA6E4}">
+                <adec:decorative xmlns:adec="http://schemas.microsoft.com/office/drawing/2017/decorative" val="1"/>
+              </a:ext>
+            </a:extLst>
+          </p:cNvPr>
+          <p:cNvCxnSpPr>
+            <a:cxnSpLocks noGrp="1" noRot="1" noChangeAspect="1" noMove="1" noResize="1" noEditPoints="1" noAdjustHandles="1" noChangeArrowheads="1" noChangeShapeType="1"/>
+          </p:cNvCxnSpPr>
+          <p:nvPr>
+            <p:extLst>
+              <p:ext uri="{386F3935-93C4-4BCD-93E2-E3B085C9AB24}">
+                <p16:designElem xmlns:p16="http://schemas.microsoft.com/office/powerpoint/2015/main" val="1"/>
+              </p:ext>
+            </p:extLst>
+          </p:nvPr>
+        </p:nvCxnSpPr>
+        <p:spPr>
+          <a:xfrm>
+            <a:off x="4654296" y="2057400"/>
+            <a:ext cx="0" cy="2743200"/>
+          </a:xfrm>
+          <a:prstGeom prst="line">
+            <a:avLst/>
+          </a:prstGeom>
+          <a:ln w="19050">
+            <a:solidFill>
+              <a:schemeClr val="tx1">
+                <a:lumMod val="85000"/>
+                <a:lumOff val="15000"/>
+              </a:schemeClr>
+            </a:solidFill>
+          </a:ln>
+        </p:spPr>
+        <p:style>
+          <a:lnRef idx="1">
+            <a:schemeClr val="accent1"/>
+          </a:lnRef>
+          <a:fillRef idx="0">
+            <a:schemeClr val="accent1"/>
+          </a:fillRef>
+          <a:effectRef idx="0">
+            <a:schemeClr val="accent1"/>
+          </a:effectRef>
+          <a:fontRef idx="minor">
+            <a:schemeClr val="tx1"/>
+          </a:fontRef>
+        </p:style>
+      </p:cxnSp>
+      <p:sp>
+        <p:nvSpPr>
+          <p:cNvPr id="3" name="Content Placeholder 2"/>
+          <p:cNvSpPr>
+            <a:spLocks noGrp="1"/>
+          </p:cNvSpPr>
+          <p:nvPr>
+            <p:ph idx="1"/>
+          </p:nvPr>
+        </p:nvSpPr>
+        <p:spPr>
+          <a:xfrm>
+            <a:off x="4703539" y="2484204"/>
+            <a:ext cx="6504602" cy="644586"/>
+          </a:xfrm>
+        </p:spPr>
+        <p:txBody>
+          <a:bodyPr anchor="ctr">
+            <a:normAutofit/>
+          </a:bodyPr>
+          <a:lstStyle/>
+          <a:p>
+            <a:r>
+              <a:rPr lang="en-US" sz="2400" dirty="0"/>
+              <a:t>Goal: maximize </a:t>
+            </a:r>
+            <a:endParaRPr sz="2400" dirty="0"/>
+          </a:p>
+        </p:txBody>
+      </p:sp>
+      <p:pic>
+        <p:nvPicPr>
+          <p:cNvPr id="1027" name="Picture 3">
+            <a:extLst>
+              <a:ext uri="{FF2B5EF4-FFF2-40B4-BE49-F238E27FC236}">
+                <a16:creationId xmlns:a16="http://schemas.microsoft.com/office/drawing/2014/main" id="{2EE85E85-193B-46CA-BE7C-C6F767780C6D}"/>
+              </a:ext>
+            </a:extLst>
+          </p:cNvPr>
+          <p:cNvPicPr>
+            <a:picLocks noChangeAspect="1" noChangeArrowheads="1"/>
+          </p:cNvPicPr>
+          <p:nvPr/>
+        </p:nvPicPr>
+        <p:blipFill>
+          <a:blip r:embed="rId3">
+            <a:extLst>
+              <a:ext uri="{28A0092B-C50C-407E-A947-70E740481C1C}">
+                <a14:useLocalDpi xmlns:a14="http://schemas.microsoft.com/office/drawing/2010/main" val="0"/>
+              </a:ext>
+            </a:extLst>
+          </a:blip>
+          <a:srcRect/>
+          <a:stretch>
+            <a:fillRect/>
+          </a:stretch>
+        </p:blipFill>
+        <p:spPr bwMode="auto">
+          <a:xfrm>
+            <a:off x="5111825" y="3585320"/>
+            <a:ext cx="473725" cy="473725"/>
+          </a:xfrm>
+          <a:prstGeom prst="rect">
+            <a:avLst/>
+          </a:prstGeom>
+          <a:noFill/>
+          <a:ln>
+            <a:noFill/>
+          </a:ln>
+          <a:effectLst/>
+          <a:extLst>
+            <a:ext uri="{909E8E84-426E-40DD-AFC4-6F175D3DCCD1}">
+              <a14:hiddenFill xmlns:a14="http://schemas.microsoft.com/office/drawing/2010/main">
+                <a:solidFill>
+                  <a:schemeClr val="accent1"/>
+                </a:solidFill>
+              </a14:hiddenFill>
+            </a:ext>
+            <a:ext uri="{91240B29-F687-4F45-9708-019B960494DF}">
+              <a14:hiddenLine xmlns:a14="http://schemas.microsoft.com/office/drawing/2010/main" w="9525">
+                <a:solidFill>
+                  <a:schemeClr val="tx1"/>
+                </a:solidFill>
+                <a:miter lim="800000"/>
+                <a:headEnd/>
+                <a:tailEnd/>
+              </a14:hiddenLine>
+            </a:ext>
+            <a:ext uri="{AF507438-7753-43E0-B8FC-AC1667EBCBE1}">
+              <a14:hiddenEffects xmlns:a14="http://schemas.microsoft.com/office/drawing/2010/main">
+                <a:effectLst>
+                  <a:outerShdw dist="35921" dir="2700000" algn="ctr" rotWithShape="0">
+                    <a:schemeClr val="bg2"/>
+                  </a:outerShdw>
+                </a:effectLst>
+              </a14:hiddenEffects>
+            </a:ext>
+          </a:extLst>
+        </p:spPr>
+      </p:pic>
+      <p:pic>
+        <p:nvPicPr>
+          <p:cNvPr id="1029" name="Picture 5">
+            <a:extLst>
+              <a:ext uri="{FF2B5EF4-FFF2-40B4-BE49-F238E27FC236}">
+                <a16:creationId xmlns:a16="http://schemas.microsoft.com/office/drawing/2014/main" id="{229281C7-C27E-4440-A3DE-BC5C54E2590C}"/>
+              </a:ext>
+            </a:extLst>
+          </p:cNvPr>
+          <p:cNvPicPr>
+            <a:picLocks noChangeAspect="1" noChangeArrowheads="1"/>
+          </p:cNvPicPr>
+          <p:nvPr/>
+        </p:nvPicPr>
+        <p:blipFill>
+          <a:blip r:embed="rId4">
+            <a:extLst>
+              <a:ext uri="{28A0092B-C50C-407E-A947-70E740481C1C}">
+                <a14:useLocalDpi xmlns:a14="http://schemas.microsoft.com/office/drawing/2010/main" val="0"/>
+              </a:ext>
+            </a:extLst>
+          </a:blip>
+          <a:srcRect/>
+          <a:stretch>
+            <a:fillRect/>
+          </a:stretch>
+        </p:blipFill>
+        <p:spPr bwMode="auto">
+          <a:xfrm>
+            <a:off x="7359373" y="2645438"/>
+            <a:ext cx="1546166" cy="322118"/>
+          </a:xfrm>
+          <a:prstGeom prst="rect">
+            <a:avLst/>
+          </a:prstGeom>
+          <a:noFill/>
+          <a:ln>
+            <a:noFill/>
+          </a:ln>
+          <a:effectLst/>
+          <a:extLst>
+            <a:ext uri="{909E8E84-426E-40DD-AFC4-6F175D3DCCD1}">
+              <a14:hiddenFill xmlns:a14="http://schemas.microsoft.com/office/drawing/2010/main">
+                <a:solidFill>
+                  <a:schemeClr val="accent1"/>
+                </a:solidFill>
+              </a14:hiddenFill>
+            </a:ext>
+            <a:ext uri="{91240B29-F687-4F45-9708-019B960494DF}">
+              <a14:hiddenLine xmlns:a14="http://schemas.microsoft.com/office/drawing/2010/main" w="9525">
+                <a:solidFill>
+                  <a:schemeClr val="tx1"/>
+                </a:solidFill>
+                <a:miter lim="800000"/>
+                <a:headEnd/>
+                <a:tailEnd/>
+              </a14:hiddenLine>
+            </a:ext>
+            <a:ext uri="{AF507438-7753-43E0-B8FC-AC1667EBCBE1}">
+              <a14:hiddenEffects xmlns:a14="http://schemas.microsoft.com/office/drawing/2010/main">
+                <a:effectLst>
+                  <a:outerShdw dist="35921" dir="2700000" algn="ctr" rotWithShape="0">
+                    <a:schemeClr val="bg2"/>
+                  </a:outerShdw>
+                </a:effectLst>
+              </a14:hiddenEffects>
+            </a:ext>
+          </a:extLst>
+        </p:spPr>
+      </p:pic>
+      <p:sp>
+        <p:nvSpPr>
+          <p:cNvPr id="5" name="TextBox 4">
+            <a:extLst>
+              <a:ext uri="{FF2B5EF4-FFF2-40B4-BE49-F238E27FC236}">
+                <a16:creationId xmlns:a16="http://schemas.microsoft.com/office/drawing/2014/main" id="{AC8BB6DD-AB11-4BD6-82C7-4CC490C62B52}"/>
+              </a:ext>
+            </a:extLst>
+          </p:cNvPr>
+          <p:cNvSpPr txBox="1"/>
+          <p:nvPr/>
+        </p:nvSpPr>
+        <p:spPr>
+          <a:xfrm>
+            <a:off x="5723370" y="3585320"/>
+            <a:ext cx="3272005" cy="461665"/>
+          </a:xfrm>
+          <a:prstGeom prst="rect">
+            <a:avLst/>
+          </a:prstGeom>
+          <a:noFill/>
+        </p:spPr>
+        <p:txBody>
+          <a:bodyPr wrap="square" rtlCol="0">
+            <a:spAutoFit/>
+          </a:bodyPr>
+          <a:lstStyle/>
+          <a:p>
+            <a:r>
+              <a:rPr lang="en-US" sz="2400" dirty="0"/>
+              <a:t>independent</a:t>
+            </a:r>
+          </a:p>
+        </p:txBody>
+      </p:sp>
+      <p:pic>
+        <p:nvPicPr>
+          <p:cNvPr id="6" name="Picture 3">
+            <a:extLst>
+              <a:ext uri="{FF2B5EF4-FFF2-40B4-BE49-F238E27FC236}">
+                <a16:creationId xmlns:a16="http://schemas.microsoft.com/office/drawing/2014/main" id="{ADDD567B-6AB5-4F78-8B3F-45C3FAB386DC}"/>
+              </a:ext>
+            </a:extLst>
+          </p:cNvPr>
+          <p:cNvPicPr>
+            <a:picLocks noChangeAspect="1" noChangeArrowheads="1"/>
+          </p:cNvPicPr>
+          <p:nvPr/>
+        </p:nvPicPr>
+        <p:blipFill>
+          <a:blip r:embed="rId5">
+            <a:extLst>
+              <a:ext uri="{28A0092B-C50C-407E-A947-70E740481C1C}">
+                <a14:useLocalDpi xmlns:a14="http://schemas.microsoft.com/office/drawing/2010/main" val="0"/>
+              </a:ext>
+            </a:extLst>
+          </a:blip>
+          <a:srcRect/>
+          <a:stretch>
+            <a:fillRect/>
+          </a:stretch>
+        </p:blipFill>
+        <p:spPr bwMode="auto">
+          <a:xfrm>
+            <a:off x="4703539" y="4701618"/>
+            <a:ext cx="6857834" cy="956907"/>
+          </a:xfrm>
+          <a:prstGeom prst="rect">
+            <a:avLst/>
+          </a:prstGeom>
+          <a:noFill/>
+          <a:ln>
+            <a:noFill/>
+          </a:ln>
+          <a:effectLst/>
+          <a:extLst>
+            <a:ext uri="{909E8E84-426E-40DD-AFC4-6F175D3DCCD1}">
+              <a14:hiddenFill xmlns:a14="http://schemas.microsoft.com/office/drawing/2010/main">
+                <a:solidFill>
+                  <a:schemeClr val="accent1"/>
+                </a:solidFill>
+              </a14:hiddenFill>
+            </a:ext>
+            <a:ext uri="{91240B29-F687-4F45-9708-019B960494DF}">
+              <a14:hiddenLine xmlns:a14="http://schemas.microsoft.com/office/drawing/2010/main" w="9525">
+                <a:solidFill>
+                  <a:schemeClr val="tx1"/>
+                </a:solidFill>
+                <a:miter lim="800000"/>
+                <a:headEnd/>
+                <a:tailEnd/>
+              </a14:hiddenLine>
+            </a:ext>
+            <a:ext uri="{AF507438-7753-43E0-B8FC-AC1667EBCBE1}">
+              <a14:hiddenEffects xmlns:a14="http://schemas.microsoft.com/office/drawing/2010/main">
+                <a:effectLst>
+                  <a:outerShdw dist="35921" dir="2700000" algn="ctr" rotWithShape="0">
+                    <a:schemeClr val="bg2"/>
+                  </a:outerShdw>
+                </a:effectLst>
+              </a14:hiddenEffects>
+            </a:ext>
+          </a:extLst>
+        </p:spPr>
+      </p:pic>
+    </p:spTree>
+    <p:extLst>
+      <p:ext uri="{BB962C8B-B14F-4D97-AF65-F5344CB8AC3E}">
+        <p14:creationId xmlns:p14="http://schemas.microsoft.com/office/powerpoint/2010/main" val="2795742493"/>
+      </p:ext>
+    </p:extLst>
+  </p:cSld>
+  <p:clrMapOvr>
+    <a:masterClrMapping/>
+  </p:clrMapOvr>
+  <mc:AlternateContent xmlns:mc="http://schemas.openxmlformats.org/markup-compatibility/2006" xmlns:p14="http://schemas.microsoft.com/office/powerpoint/2010/main">
+    <mc:Choice Requires="p14">
+      <p:transition spd="slow" p14:dur="2000" advTm="67820"/>
+    </mc:Choice>
+    <mc:Fallback xmlns="">
+      <p:transition spd="slow" advTm="67820"/>
+    </mc:Fallback>
+  </mc:AlternateContent>
+</p:sld>
+</file>
+
+<file path=ppt/slides/slide19.xml><?xml version="1.0" encoding="utf-8"?>
+<p:sld xmlns:a="http://schemas.openxmlformats.org/drawingml/2006/main" xmlns:r="http://schemas.openxmlformats.org/officeDocument/2006/relationships" xmlns:p="http://schemas.openxmlformats.org/presentationml/2006/main">
+  <p:cSld>
+    <p:spTree>
+      <p:nvGrpSpPr>
+        <p:cNvPr id="1" name=""/>
+        <p:cNvGrpSpPr/>
+        <p:nvPr/>
+      </p:nvGrpSpPr>
+      <p:grpSpPr>
+        <a:xfrm>
+          <a:off x="0" y="0"/>
+          <a:ext cx="0" cy="0"/>
+          <a:chOff x="0" y="0"/>
+          <a:chExt cx="0" cy="0"/>
+        </a:xfrm>
+      </p:grpSpPr>
+      <p:sp>
+        <p:nvSpPr>
+          <p:cNvPr id="2" name="TextBox 1">
+            <a:extLst>
+              <a:ext uri="{FF2B5EF4-FFF2-40B4-BE49-F238E27FC236}">
+                <a16:creationId xmlns:a16="http://schemas.microsoft.com/office/drawing/2014/main" id="{89452A45-67D8-4D3C-BD61-74383AAFFB67}"/>
+              </a:ext>
+            </a:extLst>
+          </p:cNvPr>
+          <p:cNvSpPr txBox="1"/>
+          <p:nvPr/>
+        </p:nvSpPr>
+        <p:spPr>
+          <a:xfrm>
+            <a:off x="451692" y="275422"/>
+            <a:ext cx="3712684" cy="707886"/>
+          </a:xfrm>
+          <a:prstGeom prst="rect">
+            <a:avLst/>
+          </a:prstGeom>
+          <a:noFill/>
+        </p:spPr>
+        <p:txBody>
+          <a:bodyPr wrap="square" rtlCol="0">
+            <a:spAutoFit/>
+          </a:bodyPr>
+          <a:lstStyle/>
+          <a:p>
+            <a:r>
+              <a:rPr lang="en-US" sz="4000" dirty="0"/>
+              <a:t>Assumptions:</a:t>
+            </a:r>
+          </a:p>
+        </p:txBody>
+      </p:sp>
+      <p:pic>
+        <p:nvPicPr>
+          <p:cNvPr id="1028" name="Picture 4">
+            <a:extLst>
+              <a:ext uri="{FF2B5EF4-FFF2-40B4-BE49-F238E27FC236}">
+                <a16:creationId xmlns:a16="http://schemas.microsoft.com/office/drawing/2014/main" id="{7AE2F3FC-99CA-45F2-9426-A6B9374C4FC2}"/>
+              </a:ext>
+            </a:extLst>
+          </p:cNvPr>
+          <p:cNvPicPr>
+            <a:picLocks noChangeAspect="1" noChangeArrowheads="1"/>
+          </p:cNvPicPr>
+          <p:nvPr/>
+        </p:nvPicPr>
+        <p:blipFill>
+          <a:blip r:embed="rId3">
+            <a:extLst>
+              <a:ext uri="{28A0092B-C50C-407E-A947-70E740481C1C}">
+                <a14:useLocalDpi xmlns:a14="http://schemas.microsoft.com/office/drawing/2010/main" val="0"/>
+              </a:ext>
+            </a:extLst>
+          </a:blip>
+          <a:srcRect/>
+          <a:stretch>
+            <a:fillRect/>
+          </a:stretch>
+        </p:blipFill>
+        <p:spPr bwMode="auto">
+          <a:xfrm>
+            <a:off x="583893" y="1740664"/>
+            <a:ext cx="7143203" cy="707885"/>
+          </a:xfrm>
+          <a:prstGeom prst="rect">
+            <a:avLst/>
+          </a:prstGeom>
+          <a:noFill/>
+          <a:ln>
+            <a:noFill/>
+          </a:ln>
+          <a:effectLst/>
+          <a:extLst>
+            <a:ext uri="{909E8E84-426E-40DD-AFC4-6F175D3DCCD1}">
+              <a14:hiddenFill xmlns:a14="http://schemas.microsoft.com/office/drawing/2010/main">
+                <a:solidFill>
+                  <a:schemeClr val="accent1"/>
+                </a:solidFill>
+              </a14:hiddenFill>
+            </a:ext>
+            <a:ext uri="{91240B29-F687-4F45-9708-019B960494DF}">
+              <a14:hiddenLine xmlns:a14="http://schemas.microsoft.com/office/drawing/2010/main" w="9525">
+                <a:solidFill>
+                  <a:schemeClr val="tx1"/>
+                </a:solidFill>
+                <a:miter lim="800000"/>
+                <a:headEnd/>
+                <a:tailEnd/>
+              </a14:hiddenLine>
+            </a:ext>
+            <a:ext uri="{AF507438-7753-43E0-B8FC-AC1667EBCBE1}">
+              <a14:hiddenEffects xmlns:a14="http://schemas.microsoft.com/office/drawing/2010/main">
+                <a:effectLst>
+                  <a:outerShdw dist="35921" dir="2700000" algn="ctr" rotWithShape="0">
+                    <a:schemeClr val="bg2"/>
+                  </a:outerShdw>
+                </a:effectLst>
+              </a14:hiddenEffects>
+            </a:ext>
+          </a:extLst>
+        </p:spPr>
+      </p:pic>
+      <p:pic>
+        <p:nvPicPr>
+          <p:cNvPr id="1029" name="Picture 5">
+            <a:extLst>
+              <a:ext uri="{FF2B5EF4-FFF2-40B4-BE49-F238E27FC236}">
+                <a16:creationId xmlns:a16="http://schemas.microsoft.com/office/drawing/2014/main" id="{168982B0-55BC-40F1-815F-BE4FCB241CA2}"/>
+              </a:ext>
+            </a:extLst>
+          </p:cNvPr>
+          <p:cNvPicPr>
+            <a:picLocks noChangeAspect="1" noChangeArrowheads="1"/>
+          </p:cNvPicPr>
+          <p:nvPr/>
+        </p:nvPicPr>
+        <p:blipFill>
+          <a:blip r:embed="rId4">
+            <a:extLst>
+              <a:ext uri="{28A0092B-C50C-407E-A947-70E740481C1C}">
+                <a14:useLocalDpi xmlns:a14="http://schemas.microsoft.com/office/drawing/2010/main" val="0"/>
+              </a:ext>
+            </a:extLst>
+          </a:blip>
+          <a:srcRect/>
+          <a:stretch>
+            <a:fillRect/>
+          </a:stretch>
+        </p:blipFill>
+        <p:spPr bwMode="auto">
+          <a:xfrm>
+            <a:off x="583893" y="2964605"/>
+            <a:ext cx="2633032" cy="694828"/>
+          </a:xfrm>
+          <a:prstGeom prst="rect">
+            <a:avLst/>
+          </a:prstGeom>
+          <a:noFill/>
+          <a:ln>
+            <a:noFill/>
+          </a:ln>
+          <a:effectLst/>
+          <a:extLst>
+            <a:ext uri="{909E8E84-426E-40DD-AFC4-6F175D3DCCD1}">
+              <a14:hiddenFill xmlns:a14="http://schemas.microsoft.com/office/drawing/2010/main">
+                <a:solidFill>
+                  <a:schemeClr val="accent1"/>
+                </a:solidFill>
+              </a14:hiddenFill>
+            </a:ext>
+            <a:ext uri="{91240B29-F687-4F45-9708-019B960494DF}">
+              <a14:hiddenLine xmlns:a14="http://schemas.microsoft.com/office/drawing/2010/main" w="9525">
+                <a:solidFill>
+                  <a:schemeClr val="tx1"/>
+                </a:solidFill>
+                <a:miter lim="800000"/>
+                <a:headEnd/>
+                <a:tailEnd/>
+              </a14:hiddenLine>
+            </a:ext>
+            <a:ext uri="{AF507438-7753-43E0-B8FC-AC1667EBCBE1}">
+              <a14:hiddenEffects xmlns:a14="http://schemas.microsoft.com/office/drawing/2010/main">
+                <a:effectLst>
+                  <a:outerShdw dist="35921" dir="2700000" algn="ctr" rotWithShape="0">
+                    <a:schemeClr val="bg2"/>
+                  </a:outerShdw>
+                </a:effectLst>
+              </a14:hiddenEffects>
+            </a:ext>
+          </a:extLst>
+        </p:spPr>
+      </p:pic>
+      <p:pic>
+        <p:nvPicPr>
+          <p:cNvPr id="1027" name="Picture 3">
+            <a:extLst>
+              <a:ext uri="{FF2B5EF4-FFF2-40B4-BE49-F238E27FC236}">
+                <a16:creationId xmlns:a16="http://schemas.microsoft.com/office/drawing/2014/main" id="{1E5DBD3B-1F5E-4863-B93A-8E81E4251F91}"/>
+              </a:ext>
+            </a:extLst>
+          </p:cNvPr>
+          <p:cNvPicPr>
+            <a:picLocks noChangeAspect="1" noChangeArrowheads="1"/>
+          </p:cNvPicPr>
+          <p:nvPr/>
+        </p:nvPicPr>
+        <p:blipFill>
+          <a:blip r:embed="rId5">
+            <a:extLst>
+              <a:ext uri="{28A0092B-C50C-407E-A947-70E740481C1C}">
+                <a14:useLocalDpi xmlns:a14="http://schemas.microsoft.com/office/drawing/2010/main" val="0"/>
+              </a:ext>
+            </a:extLst>
+          </a:blip>
+          <a:srcRect/>
+          <a:stretch>
+            <a:fillRect/>
+          </a:stretch>
+        </p:blipFill>
+        <p:spPr bwMode="auto">
+          <a:xfrm>
+            <a:off x="583892" y="4201651"/>
+            <a:ext cx="8060010" cy="694828"/>
+          </a:xfrm>
+          <a:prstGeom prst="rect">
+            <a:avLst/>
+          </a:prstGeom>
+          <a:noFill/>
+          <a:ln>
+            <a:noFill/>
+          </a:ln>
+          <a:effectLst/>
+          <a:extLst>
+            <a:ext uri="{909E8E84-426E-40DD-AFC4-6F175D3DCCD1}">
+              <a14:hiddenFill xmlns:a14="http://schemas.microsoft.com/office/drawing/2010/main">
+                <a:solidFill>
+                  <a:schemeClr val="accent1"/>
+                </a:solidFill>
+              </a14:hiddenFill>
+            </a:ext>
+            <a:ext uri="{91240B29-F687-4F45-9708-019B960494DF}">
+              <a14:hiddenLine xmlns:a14="http://schemas.microsoft.com/office/drawing/2010/main" w="9525">
+                <a:solidFill>
+                  <a:schemeClr val="tx1"/>
+                </a:solidFill>
+                <a:miter lim="800000"/>
+                <a:headEnd/>
+                <a:tailEnd/>
+              </a14:hiddenLine>
+            </a:ext>
+            <a:ext uri="{AF507438-7753-43E0-B8FC-AC1667EBCBE1}">
+              <a14:hiddenEffects xmlns:a14="http://schemas.microsoft.com/office/drawing/2010/main">
+                <a:effectLst>
+                  <a:outerShdw dist="35921" dir="2700000" algn="ctr" rotWithShape="0">
+                    <a:schemeClr val="bg2"/>
+                  </a:outerShdw>
+                </a:effectLst>
+              </a14:hiddenEffects>
+            </a:ext>
+          </a:extLst>
+        </p:spPr>
+      </p:pic>
+    </p:spTree>
+    <p:extLst>
+      <p:ext uri="{BB962C8B-B14F-4D97-AF65-F5344CB8AC3E}">
+        <p14:creationId xmlns:p14="http://schemas.microsoft.com/office/powerpoint/2010/main" val="25166710"/>
+      </p:ext>
+    </p:extLst>
+  </p:cSld>
+  <p:clrMapOvr>
+    <a:masterClrMapping/>
+  </p:clrMapOvr>
+  <mc:AlternateContent xmlns:mc="http://schemas.openxmlformats.org/markup-compatibility/2006" xmlns:p14="http://schemas.microsoft.com/office/powerpoint/2010/main">
+    <mc:Choice Requires="p14">
+      <p:transition spd="slow" p14:dur="2000" advTm="123232"/>
+    </mc:Choice>
+    <mc:Fallback xmlns="">
+      <p:transition spd="slow" advTm="123232"/>
+    </mc:Fallback>
+  </mc:AlternateContent>
+</p:sld>
+</file>
+
+<file path=ppt/slides/slide2.xml><?xml version="1.0" encoding="utf-8"?>
+<p:sld xmlns:a="http://schemas.openxmlformats.org/drawingml/2006/main" xmlns:r="http://schemas.openxmlformats.org/officeDocument/2006/relationships" xmlns:p="http://schemas.openxmlformats.org/presentationml/2006/main">
+  <p:cSld>
+    <p:spTree>
+      <p:nvGrpSpPr>
+        <p:cNvPr id="1" name=""/>
+        <p:cNvGrpSpPr/>
+        <p:nvPr/>
+      </p:nvGrpSpPr>
+      <p:grpSpPr>
+        <a:xfrm>
+          <a:off x="0" y="0"/>
+          <a:ext cx="0" cy="0"/>
+          <a:chOff x="0" y="0"/>
+          <a:chExt cx="0" cy="0"/>
+        </a:xfrm>
+      </p:grpSpPr>
+      <p:sp>
+        <p:nvSpPr>
+          <p:cNvPr id="2" name="TextBox 1">
+            <a:extLst>
+              <a:ext uri="{FF2B5EF4-FFF2-40B4-BE49-F238E27FC236}">
+                <a16:creationId xmlns:a16="http://schemas.microsoft.com/office/drawing/2014/main" id="{2D2BE7D1-730B-4260-8C0C-14936B7D1BDD}"/>
+              </a:ext>
+            </a:extLst>
+          </p:cNvPr>
+          <p:cNvSpPr txBox="1"/>
+          <p:nvPr/>
+        </p:nvSpPr>
+        <p:spPr>
+          <a:xfrm>
+            <a:off x="958467" y="903383"/>
+            <a:ext cx="9849080" cy="1200329"/>
+          </a:xfrm>
+          <a:prstGeom prst="rect">
+            <a:avLst/>
+          </a:prstGeom>
+          <a:noFill/>
+        </p:spPr>
+        <p:txBody>
+          <a:bodyPr wrap="square" rtlCol="0">
+            <a:spAutoFit/>
+          </a:bodyPr>
+          <a:lstStyle/>
+          <a:p>
+            <a:r>
+              <a:rPr lang="en-US" sz="7200" b="1" dirty="0"/>
+              <a:t>Goal:</a:t>
+            </a:r>
+          </a:p>
+        </p:txBody>
+      </p:sp>
+      <p:sp>
+        <p:nvSpPr>
+          <p:cNvPr id="3" name="TextBox 2">
+            <a:extLst>
+              <a:ext uri="{FF2B5EF4-FFF2-40B4-BE49-F238E27FC236}">
+                <a16:creationId xmlns:a16="http://schemas.microsoft.com/office/drawing/2014/main" id="{472E3D15-2167-4BA0-9BB3-3CA95BC81FC1}"/>
+              </a:ext>
+            </a:extLst>
+          </p:cNvPr>
+          <p:cNvSpPr txBox="1"/>
+          <p:nvPr/>
+        </p:nvSpPr>
+        <p:spPr>
+          <a:xfrm>
+            <a:off x="1983036" y="3040655"/>
+            <a:ext cx="8824511" cy="2677656"/>
+          </a:xfrm>
+          <a:prstGeom prst="rect">
+            <a:avLst/>
+          </a:prstGeom>
+          <a:noFill/>
+        </p:spPr>
+        <p:txBody>
+          <a:bodyPr wrap="square" rtlCol="0">
+            <a:spAutoFit/>
+          </a:bodyPr>
+          <a:lstStyle/>
+          <a:p>
+            <a:r>
+              <a:rPr lang="en-US" sz="2800" dirty="0"/>
+              <a:t>The goal of my work this summer was to </a:t>
+            </a:r>
+            <a:r>
+              <a:rPr lang="en-US" sz="2800" dirty="0">
+                <a:highlight>
+                  <a:srgbClr val="FFFF00"/>
+                </a:highlight>
+              </a:rPr>
+              <a:t>infer parameters </a:t>
+            </a:r>
+            <a:r>
+              <a:rPr lang="en-US" sz="2800" dirty="0"/>
+              <a:t>of an </a:t>
+            </a:r>
+            <a:r>
+              <a:rPr lang="en-US" sz="2800" dirty="0">
+                <a:highlight>
+                  <a:srgbClr val="FFFF00"/>
+                </a:highlight>
+              </a:rPr>
+              <a:t>interaction matrix </a:t>
+            </a:r>
+            <a:r>
+              <a:rPr lang="en-US" sz="2800" dirty="0"/>
+              <a:t>between different species, given a set of data and a model of population growth using </a:t>
+            </a:r>
+            <a:r>
+              <a:rPr lang="en-US" sz="2800" dirty="0">
+                <a:highlight>
+                  <a:srgbClr val="FFFF00"/>
+                </a:highlight>
+              </a:rPr>
+              <a:t>maximum likelihood</a:t>
+            </a:r>
+            <a:r>
+              <a:rPr lang="en-US" sz="2800" dirty="0"/>
+              <a:t>. This means that we were trying to </a:t>
+            </a:r>
+            <a:r>
+              <a:rPr lang="en-US" sz="2800" dirty="0">
+                <a:highlight>
+                  <a:srgbClr val="FFFF00"/>
+                </a:highlight>
+              </a:rPr>
+              <a:t>predict how species interact with one another</a:t>
+            </a:r>
+            <a:r>
+              <a:rPr lang="en-US" sz="2800" dirty="0"/>
+              <a:t> and coexist in a specified ecosystem.</a:t>
+            </a:r>
+          </a:p>
+        </p:txBody>
+      </p:sp>
+    </p:spTree>
+    <p:extLst>
+      <p:ext uri="{BB962C8B-B14F-4D97-AF65-F5344CB8AC3E}">
+        <p14:creationId xmlns:p14="http://schemas.microsoft.com/office/powerpoint/2010/main" val="1560179686"/>
+      </p:ext>
+    </p:extLst>
+  </p:cSld>
+  <p:clrMapOvr>
+    <a:masterClrMapping/>
+  </p:clrMapOvr>
+  <mc:AlternateContent xmlns:mc="http://schemas.openxmlformats.org/markup-compatibility/2006" xmlns:p14="http://schemas.microsoft.com/office/powerpoint/2010/main">
+    <mc:Choice Requires="p14">
+      <p:transition spd="slow" p14:dur="2000" advTm="19343"/>
+    </mc:Choice>
+    <mc:Fallback xmlns="">
+      <p:transition spd="slow" advTm="19343"/>
+    </mc:Fallback>
+  </mc:AlternateContent>
+</p:sld>
+</file>
+
+<file path=ppt/slides/slide20.xml><?xml version="1.0" encoding="utf-8"?>
 <p:sld xmlns:a="http://schemas.openxmlformats.org/drawingml/2006/main" xmlns:r="http://schemas.openxmlformats.org/officeDocument/2006/relationships" xmlns:p="http://schemas.openxmlformats.org/presentationml/2006/main">
   <p:cSld>
     <p:bg>
@@ -13823,7 +14980,7 @@
 </p:sld>
 </file>
 
-<file path=ppt/slides/slide18.xml><?xml version="1.0" encoding="utf-8"?>
+<file path=ppt/slides/slide21.xml><?xml version="1.0" encoding="utf-8"?>
 <p:sld xmlns:a="http://schemas.openxmlformats.org/drawingml/2006/main" xmlns:r="http://schemas.openxmlformats.org/officeDocument/2006/relationships" xmlns:p="http://schemas.openxmlformats.org/presentationml/2006/main">
   <p:cSld>
     <p:spTree>
@@ -13978,921 +15135,7 @@
 </p:sld>
 </file>
 
-<file path=ppt/slides/slide19.xml><?xml version="1.0" encoding="utf-8"?>
-<p:sld xmlns:a="http://schemas.openxmlformats.org/drawingml/2006/main" xmlns:r="http://schemas.openxmlformats.org/officeDocument/2006/relationships" xmlns:p="http://schemas.openxmlformats.org/presentationml/2006/main">
-  <p:cSld>
-    <p:bg>
-      <p:bgPr>
-        <a:solidFill>
-          <a:schemeClr val="bg1"/>
-        </a:solidFill>
-        <a:effectLst/>
-      </p:bgPr>
-    </p:bg>
-    <p:spTree>
-      <p:nvGrpSpPr>
-        <p:cNvPr id="1" name=""/>
-        <p:cNvGrpSpPr/>
-        <p:nvPr/>
-      </p:nvGrpSpPr>
-      <p:grpSpPr>
-        <a:xfrm>
-          <a:off x="0" y="0"/>
-          <a:ext cx="0" cy="0"/>
-          <a:chOff x="0" y="0"/>
-          <a:chExt cx="0" cy="0"/>
-        </a:xfrm>
-      </p:grpSpPr>
-      <p:sp>
-        <p:nvSpPr>
-          <p:cNvPr id="9" name="Rectangle 8">
-            <a:extLst>
-              <a:ext uri="{FF2B5EF4-FFF2-40B4-BE49-F238E27FC236}">
-                <a16:creationId xmlns:a16="http://schemas.microsoft.com/office/drawing/2014/main" id="{8D70B121-56F4-4848-B38B-182089D909FA}"/>
-              </a:ext>
-              <a:ext uri="{C183D7F6-B498-43B3-948B-1728B52AA6E4}">
-                <adec:decorative xmlns:adec="http://schemas.microsoft.com/office/drawing/2017/decorative" val="1"/>
-              </a:ext>
-            </a:extLst>
-          </p:cNvPr>
-          <p:cNvSpPr>
-            <a:spLocks noGrp="1" noRot="1" noChangeAspect="1" noMove="1" noResize="1" noEditPoints="1" noAdjustHandles="1" noChangeArrowheads="1" noChangeShapeType="1" noTextEdit="1"/>
-          </p:cNvSpPr>
-          <p:nvPr>
-            <p:extLst>
-              <p:ext uri="{386F3935-93C4-4BCD-93E2-E3B085C9AB24}">
-                <p16:designElem xmlns:p16="http://schemas.microsoft.com/office/powerpoint/2015/main" val="1"/>
-              </p:ext>
-            </p:extLst>
-          </p:nvPr>
-        </p:nvSpPr>
-        <p:spPr bwMode="ltGray">
-          <a:xfrm>
-            <a:off x="321564" y="320040"/>
-            <a:ext cx="11548872" cy="6217920"/>
-          </a:xfrm>
-          <a:prstGeom prst="rect">
-            <a:avLst/>
-          </a:prstGeom>
-          <a:solidFill>
-            <a:schemeClr val="tx1">
-              <a:alpha val="8000"/>
-            </a:schemeClr>
-          </a:solidFill>
-          <a:ln w="127000" cap="sq" cmpd="thinThick">
-            <a:noFill/>
-          </a:ln>
-        </p:spPr>
-        <p:style>
-          <a:lnRef idx="2">
-            <a:schemeClr val="accent1">
-              <a:shade val="50000"/>
-            </a:schemeClr>
-          </a:lnRef>
-          <a:fillRef idx="1">
-            <a:schemeClr val="accent1"/>
-          </a:fillRef>
-          <a:effectRef idx="0">
-            <a:schemeClr val="accent1"/>
-          </a:effectRef>
-          <a:fontRef idx="minor">
-            <a:schemeClr val="lt1"/>
-          </a:fontRef>
-        </p:style>
-        <p:txBody>
-          <a:bodyPr rtlCol="0" anchor="ctr"/>
-          <a:lstStyle/>
-          <a:p>
-            <a:pPr algn="ctr"/>
-            <a:endParaRPr lang="en-US"/>
-          </a:p>
-        </p:txBody>
-      </p:sp>
-      <p:sp>
-        <p:nvSpPr>
-          <p:cNvPr id="2" name="Title 1"/>
-          <p:cNvSpPr>
-            <a:spLocks noGrp="1"/>
-          </p:cNvSpPr>
-          <p:nvPr>
-            <p:ph type="title"/>
-          </p:nvPr>
-        </p:nvSpPr>
-        <p:spPr>
-          <a:xfrm>
-            <a:off x="855224" y="963877"/>
-            <a:ext cx="3494362" cy="4930246"/>
-          </a:xfrm>
-        </p:spPr>
-        <p:txBody>
-          <a:bodyPr>
-            <a:normAutofit/>
-          </a:bodyPr>
-          <a:lstStyle/>
-          <a:p>
-            <a:pPr algn="r"/>
-            <a:r>
-              <a:rPr lang="en-US" dirty="0">
-                <a:solidFill>
-                  <a:schemeClr val="accent1"/>
-                </a:solidFill>
-              </a:rPr>
-              <a:t>How Did I Derive The Maximum Likelihood Equation?</a:t>
-            </a:r>
-          </a:p>
-        </p:txBody>
-      </p:sp>
-      <p:cxnSp>
-        <p:nvCxnSpPr>
-          <p:cNvPr id="11" name="Straight Connector 10">
-            <a:extLst>
-              <a:ext uri="{FF2B5EF4-FFF2-40B4-BE49-F238E27FC236}">
-                <a16:creationId xmlns:a16="http://schemas.microsoft.com/office/drawing/2014/main" id="{2D72A2C9-F3CA-4216-8BAD-FA4C970C3C4E}"/>
-              </a:ext>
-              <a:ext uri="{C183D7F6-B498-43B3-948B-1728B52AA6E4}">
-                <adec:decorative xmlns:adec="http://schemas.microsoft.com/office/drawing/2017/decorative" val="1"/>
-              </a:ext>
-            </a:extLst>
-          </p:cNvPr>
-          <p:cNvCxnSpPr>
-            <a:cxnSpLocks noGrp="1" noRot="1" noChangeAspect="1" noMove="1" noResize="1" noEditPoints="1" noAdjustHandles="1" noChangeArrowheads="1" noChangeShapeType="1"/>
-          </p:cNvCxnSpPr>
-          <p:nvPr>
-            <p:extLst>
-              <p:ext uri="{386F3935-93C4-4BCD-93E2-E3B085C9AB24}">
-                <p16:designElem xmlns:p16="http://schemas.microsoft.com/office/powerpoint/2015/main" val="1"/>
-              </p:ext>
-            </p:extLst>
-          </p:nvPr>
-        </p:nvCxnSpPr>
-        <p:spPr>
-          <a:xfrm>
-            <a:off x="4654296" y="2057400"/>
-            <a:ext cx="0" cy="2743200"/>
-          </a:xfrm>
-          <a:prstGeom prst="line">
-            <a:avLst/>
-          </a:prstGeom>
-          <a:ln w="19050">
-            <a:solidFill>
-              <a:schemeClr val="tx1">
-                <a:lumMod val="85000"/>
-                <a:lumOff val="15000"/>
-              </a:schemeClr>
-            </a:solidFill>
-          </a:ln>
-        </p:spPr>
-        <p:style>
-          <a:lnRef idx="1">
-            <a:schemeClr val="accent1"/>
-          </a:lnRef>
-          <a:fillRef idx="0">
-            <a:schemeClr val="accent1"/>
-          </a:fillRef>
-          <a:effectRef idx="0">
-            <a:schemeClr val="accent1"/>
-          </a:effectRef>
-          <a:fontRef idx="minor">
-            <a:schemeClr val="tx1"/>
-          </a:fontRef>
-        </p:style>
-      </p:cxnSp>
-      <p:sp>
-        <p:nvSpPr>
-          <p:cNvPr id="3" name="Content Placeholder 2"/>
-          <p:cNvSpPr>
-            <a:spLocks noGrp="1"/>
-          </p:cNvSpPr>
-          <p:nvPr>
-            <p:ph idx="1"/>
-          </p:nvPr>
-        </p:nvSpPr>
-        <p:spPr>
-          <a:xfrm>
-            <a:off x="4703539" y="2484204"/>
-            <a:ext cx="6504602" cy="644586"/>
-          </a:xfrm>
-        </p:spPr>
-        <p:txBody>
-          <a:bodyPr anchor="ctr">
-            <a:normAutofit/>
-          </a:bodyPr>
-          <a:lstStyle/>
-          <a:p>
-            <a:r>
-              <a:rPr lang="en-US" sz="2400" dirty="0"/>
-              <a:t>Goal: maximize </a:t>
-            </a:r>
-            <a:endParaRPr sz="2400" dirty="0"/>
-          </a:p>
-        </p:txBody>
-      </p:sp>
-      <p:pic>
-        <p:nvPicPr>
-          <p:cNvPr id="1027" name="Picture 3">
-            <a:extLst>
-              <a:ext uri="{FF2B5EF4-FFF2-40B4-BE49-F238E27FC236}">
-                <a16:creationId xmlns:a16="http://schemas.microsoft.com/office/drawing/2014/main" id="{2EE85E85-193B-46CA-BE7C-C6F767780C6D}"/>
-              </a:ext>
-            </a:extLst>
-          </p:cNvPr>
-          <p:cNvPicPr>
-            <a:picLocks noChangeAspect="1" noChangeArrowheads="1"/>
-          </p:cNvPicPr>
-          <p:nvPr/>
-        </p:nvPicPr>
-        <p:blipFill>
-          <a:blip r:embed="rId3">
-            <a:extLst>
-              <a:ext uri="{28A0092B-C50C-407E-A947-70E740481C1C}">
-                <a14:useLocalDpi xmlns:a14="http://schemas.microsoft.com/office/drawing/2010/main" val="0"/>
-              </a:ext>
-            </a:extLst>
-          </a:blip>
-          <a:srcRect/>
-          <a:stretch>
-            <a:fillRect/>
-          </a:stretch>
-        </p:blipFill>
-        <p:spPr bwMode="auto">
-          <a:xfrm>
-            <a:off x="5111825" y="3585320"/>
-            <a:ext cx="473725" cy="473725"/>
-          </a:xfrm>
-          <a:prstGeom prst="rect">
-            <a:avLst/>
-          </a:prstGeom>
-          <a:noFill/>
-          <a:ln>
-            <a:noFill/>
-          </a:ln>
-          <a:effectLst/>
-          <a:extLst>
-            <a:ext uri="{909E8E84-426E-40DD-AFC4-6F175D3DCCD1}">
-              <a14:hiddenFill xmlns:a14="http://schemas.microsoft.com/office/drawing/2010/main">
-                <a:solidFill>
-                  <a:schemeClr val="accent1"/>
-                </a:solidFill>
-              </a14:hiddenFill>
-            </a:ext>
-            <a:ext uri="{91240B29-F687-4F45-9708-019B960494DF}">
-              <a14:hiddenLine xmlns:a14="http://schemas.microsoft.com/office/drawing/2010/main" w="9525">
-                <a:solidFill>
-                  <a:schemeClr val="tx1"/>
-                </a:solidFill>
-                <a:miter lim="800000"/>
-                <a:headEnd/>
-                <a:tailEnd/>
-              </a14:hiddenLine>
-            </a:ext>
-            <a:ext uri="{AF507438-7753-43E0-B8FC-AC1667EBCBE1}">
-              <a14:hiddenEffects xmlns:a14="http://schemas.microsoft.com/office/drawing/2010/main">
-                <a:effectLst>
-                  <a:outerShdw dist="35921" dir="2700000" algn="ctr" rotWithShape="0">
-                    <a:schemeClr val="bg2"/>
-                  </a:outerShdw>
-                </a:effectLst>
-              </a14:hiddenEffects>
-            </a:ext>
-          </a:extLst>
-        </p:spPr>
-      </p:pic>
-      <p:pic>
-        <p:nvPicPr>
-          <p:cNvPr id="1029" name="Picture 5">
-            <a:extLst>
-              <a:ext uri="{FF2B5EF4-FFF2-40B4-BE49-F238E27FC236}">
-                <a16:creationId xmlns:a16="http://schemas.microsoft.com/office/drawing/2014/main" id="{229281C7-C27E-4440-A3DE-BC5C54E2590C}"/>
-              </a:ext>
-            </a:extLst>
-          </p:cNvPr>
-          <p:cNvPicPr>
-            <a:picLocks noChangeAspect="1" noChangeArrowheads="1"/>
-          </p:cNvPicPr>
-          <p:nvPr/>
-        </p:nvPicPr>
-        <p:blipFill>
-          <a:blip r:embed="rId4">
-            <a:extLst>
-              <a:ext uri="{28A0092B-C50C-407E-A947-70E740481C1C}">
-                <a14:useLocalDpi xmlns:a14="http://schemas.microsoft.com/office/drawing/2010/main" val="0"/>
-              </a:ext>
-            </a:extLst>
-          </a:blip>
-          <a:srcRect/>
-          <a:stretch>
-            <a:fillRect/>
-          </a:stretch>
-        </p:blipFill>
-        <p:spPr bwMode="auto">
-          <a:xfrm>
-            <a:off x="7359373" y="2645438"/>
-            <a:ext cx="1546166" cy="322118"/>
-          </a:xfrm>
-          <a:prstGeom prst="rect">
-            <a:avLst/>
-          </a:prstGeom>
-          <a:noFill/>
-          <a:ln>
-            <a:noFill/>
-          </a:ln>
-          <a:effectLst/>
-          <a:extLst>
-            <a:ext uri="{909E8E84-426E-40DD-AFC4-6F175D3DCCD1}">
-              <a14:hiddenFill xmlns:a14="http://schemas.microsoft.com/office/drawing/2010/main">
-                <a:solidFill>
-                  <a:schemeClr val="accent1"/>
-                </a:solidFill>
-              </a14:hiddenFill>
-            </a:ext>
-            <a:ext uri="{91240B29-F687-4F45-9708-019B960494DF}">
-              <a14:hiddenLine xmlns:a14="http://schemas.microsoft.com/office/drawing/2010/main" w="9525">
-                <a:solidFill>
-                  <a:schemeClr val="tx1"/>
-                </a:solidFill>
-                <a:miter lim="800000"/>
-                <a:headEnd/>
-                <a:tailEnd/>
-              </a14:hiddenLine>
-            </a:ext>
-            <a:ext uri="{AF507438-7753-43E0-B8FC-AC1667EBCBE1}">
-              <a14:hiddenEffects xmlns:a14="http://schemas.microsoft.com/office/drawing/2010/main">
-                <a:effectLst>
-                  <a:outerShdw dist="35921" dir="2700000" algn="ctr" rotWithShape="0">
-                    <a:schemeClr val="bg2"/>
-                  </a:outerShdw>
-                </a:effectLst>
-              </a14:hiddenEffects>
-            </a:ext>
-          </a:extLst>
-        </p:spPr>
-      </p:pic>
-      <p:sp>
-        <p:nvSpPr>
-          <p:cNvPr id="5" name="TextBox 4">
-            <a:extLst>
-              <a:ext uri="{FF2B5EF4-FFF2-40B4-BE49-F238E27FC236}">
-                <a16:creationId xmlns:a16="http://schemas.microsoft.com/office/drawing/2014/main" id="{AC8BB6DD-AB11-4BD6-82C7-4CC490C62B52}"/>
-              </a:ext>
-            </a:extLst>
-          </p:cNvPr>
-          <p:cNvSpPr txBox="1"/>
-          <p:nvPr/>
-        </p:nvSpPr>
-        <p:spPr>
-          <a:xfrm>
-            <a:off x="5723370" y="3585320"/>
-            <a:ext cx="3272005" cy="461665"/>
-          </a:xfrm>
-          <a:prstGeom prst="rect">
-            <a:avLst/>
-          </a:prstGeom>
-          <a:noFill/>
-        </p:spPr>
-        <p:txBody>
-          <a:bodyPr wrap="square" rtlCol="0">
-            <a:spAutoFit/>
-          </a:bodyPr>
-          <a:lstStyle/>
-          <a:p>
-            <a:r>
-              <a:rPr lang="en-US" sz="2400" dirty="0"/>
-              <a:t>independent</a:t>
-            </a:r>
-          </a:p>
-        </p:txBody>
-      </p:sp>
-      <p:pic>
-        <p:nvPicPr>
-          <p:cNvPr id="6" name="Picture 3">
-            <a:extLst>
-              <a:ext uri="{FF2B5EF4-FFF2-40B4-BE49-F238E27FC236}">
-                <a16:creationId xmlns:a16="http://schemas.microsoft.com/office/drawing/2014/main" id="{ADDD567B-6AB5-4F78-8B3F-45C3FAB386DC}"/>
-              </a:ext>
-            </a:extLst>
-          </p:cNvPr>
-          <p:cNvPicPr>
-            <a:picLocks noChangeAspect="1" noChangeArrowheads="1"/>
-          </p:cNvPicPr>
-          <p:nvPr/>
-        </p:nvPicPr>
-        <p:blipFill>
-          <a:blip r:embed="rId5">
-            <a:extLst>
-              <a:ext uri="{28A0092B-C50C-407E-A947-70E740481C1C}">
-                <a14:useLocalDpi xmlns:a14="http://schemas.microsoft.com/office/drawing/2010/main" val="0"/>
-              </a:ext>
-            </a:extLst>
-          </a:blip>
-          <a:srcRect/>
-          <a:stretch>
-            <a:fillRect/>
-          </a:stretch>
-        </p:blipFill>
-        <p:spPr bwMode="auto">
-          <a:xfrm>
-            <a:off x="4703539" y="4701618"/>
-            <a:ext cx="6857834" cy="956907"/>
-          </a:xfrm>
-          <a:prstGeom prst="rect">
-            <a:avLst/>
-          </a:prstGeom>
-          <a:noFill/>
-          <a:ln>
-            <a:noFill/>
-          </a:ln>
-          <a:effectLst/>
-          <a:extLst>
-            <a:ext uri="{909E8E84-426E-40DD-AFC4-6F175D3DCCD1}">
-              <a14:hiddenFill xmlns:a14="http://schemas.microsoft.com/office/drawing/2010/main">
-                <a:solidFill>
-                  <a:schemeClr val="accent1"/>
-                </a:solidFill>
-              </a14:hiddenFill>
-            </a:ext>
-            <a:ext uri="{91240B29-F687-4F45-9708-019B960494DF}">
-              <a14:hiddenLine xmlns:a14="http://schemas.microsoft.com/office/drawing/2010/main" w="9525">
-                <a:solidFill>
-                  <a:schemeClr val="tx1"/>
-                </a:solidFill>
-                <a:miter lim="800000"/>
-                <a:headEnd/>
-                <a:tailEnd/>
-              </a14:hiddenLine>
-            </a:ext>
-            <a:ext uri="{AF507438-7753-43E0-B8FC-AC1667EBCBE1}">
-              <a14:hiddenEffects xmlns:a14="http://schemas.microsoft.com/office/drawing/2010/main">
-                <a:effectLst>
-                  <a:outerShdw dist="35921" dir="2700000" algn="ctr" rotWithShape="0">
-                    <a:schemeClr val="bg2"/>
-                  </a:outerShdw>
-                </a:effectLst>
-              </a14:hiddenEffects>
-            </a:ext>
-          </a:extLst>
-        </p:spPr>
-      </p:pic>
-    </p:spTree>
-    <p:extLst>
-      <p:ext uri="{BB962C8B-B14F-4D97-AF65-F5344CB8AC3E}">
-        <p14:creationId xmlns:p14="http://schemas.microsoft.com/office/powerpoint/2010/main" val="2795742493"/>
-      </p:ext>
-    </p:extLst>
-  </p:cSld>
-  <p:clrMapOvr>
-    <a:masterClrMapping/>
-  </p:clrMapOvr>
-  <mc:AlternateContent xmlns:mc="http://schemas.openxmlformats.org/markup-compatibility/2006" xmlns:p14="http://schemas.microsoft.com/office/powerpoint/2010/main">
-    <mc:Choice Requires="p14">
-      <p:transition spd="slow" p14:dur="2000" advTm="67820"/>
-    </mc:Choice>
-    <mc:Fallback xmlns="">
-      <p:transition spd="slow" advTm="67820"/>
-    </mc:Fallback>
-  </mc:AlternateContent>
-</p:sld>
-</file>
-
-<file path=ppt/slides/slide2.xml><?xml version="1.0" encoding="utf-8"?>
-<p:sld xmlns:a="http://schemas.openxmlformats.org/drawingml/2006/main" xmlns:r="http://schemas.openxmlformats.org/officeDocument/2006/relationships" xmlns:p="http://schemas.openxmlformats.org/presentationml/2006/main">
-  <p:cSld>
-    <p:spTree>
-      <p:nvGrpSpPr>
-        <p:cNvPr id="1" name=""/>
-        <p:cNvGrpSpPr/>
-        <p:nvPr/>
-      </p:nvGrpSpPr>
-      <p:grpSpPr>
-        <a:xfrm>
-          <a:off x="0" y="0"/>
-          <a:ext cx="0" cy="0"/>
-          <a:chOff x="0" y="0"/>
-          <a:chExt cx="0" cy="0"/>
-        </a:xfrm>
-      </p:grpSpPr>
-      <p:sp>
-        <p:nvSpPr>
-          <p:cNvPr id="2" name="TextBox 1">
-            <a:extLst>
-              <a:ext uri="{FF2B5EF4-FFF2-40B4-BE49-F238E27FC236}">
-                <a16:creationId xmlns:a16="http://schemas.microsoft.com/office/drawing/2014/main" id="{2D2BE7D1-730B-4260-8C0C-14936B7D1BDD}"/>
-              </a:ext>
-            </a:extLst>
-          </p:cNvPr>
-          <p:cNvSpPr txBox="1"/>
-          <p:nvPr/>
-        </p:nvSpPr>
-        <p:spPr>
-          <a:xfrm>
-            <a:off x="958467" y="903383"/>
-            <a:ext cx="9849080" cy="1200329"/>
-          </a:xfrm>
-          <a:prstGeom prst="rect">
-            <a:avLst/>
-          </a:prstGeom>
-          <a:noFill/>
-        </p:spPr>
-        <p:txBody>
-          <a:bodyPr wrap="square" rtlCol="0">
-            <a:spAutoFit/>
-          </a:bodyPr>
-          <a:lstStyle/>
-          <a:p>
-            <a:r>
-              <a:rPr lang="en-US" sz="7200" b="1" dirty="0"/>
-              <a:t>Goal:</a:t>
-            </a:r>
-          </a:p>
-        </p:txBody>
-      </p:sp>
-      <p:sp>
-        <p:nvSpPr>
-          <p:cNvPr id="3" name="TextBox 2">
-            <a:extLst>
-              <a:ext uri="{FF2B5EF4-FFF2-40B4-BE49-F238E27FC236}">
-                <a16:creationId xmlns:a16="http://schemas.microsoft.com/office/drawing/2014/main" id="{472E3D15-2167-4BA0-9BB3-3CA95BC81FC1}"/>
-              </a:ext>
-            </a:extLst>
-          </p:cNvPr>
-          <p:cNvSpPr txBox="1"/>
-          <p:nvPr/>
-        </p:nvSpPr>
-        <p:spPr>
-          <a:xfrm>
-            <a:off x="1983036" y="3040655"/>
-            <a:ext cx="8824511" cy="2677656"/>
-          </a:xfrm>
-          <a:prstGeom prst="rect">
-            <a:avLst/>
-          </a:prstGeom>
-          <a:noFill/>
-        </p:spPr>
-        <p:txBody>
-          <a:bodyPr wrap="square" rtlCol="0">
-            <a:spAutoFit/>
-          </a:bodyPr>
-          <a:lstStyle/>
-          <a:p>
-            <a:r>
-              <a:rPr lang="en-US" sz="2800" dirty="0"/>
-              <a:t>The goal of my work this summer was to </a:t>
-            </a:r>
-            <a:r>
-              <a:rPr lang="en-US" sz="2800" dirty="0">
-                <a:highlight>
-                  <a:srgbClr val="FFFF00"/>
-                </a:highlight>
-              </a:rPr>
-              <a:t>infer parameters </a:t>
-            </a:r>
-            <a:r>
-              <a:rPr lang="en-US" sz="2800" dirty="0"/>
-              <a:t>of an </a:t>
-            </a:r>
-            <a:r>
-              <a:rPr lang="en-US" sz="2800" dirty="0">
-                <a:highlight>
-                  <a:srgbClr val="FFFF00"/>
-                </a:highlight>
-              </a:rPr>
-              <a:t>interaction matrix </a:t>
-            </a:r>
-            <a:r>
-              <a:rPr lang="en-US" sz="2800" dirty="0"/>
-              <a:t>between different species, given a set of data and a model of population growth using </a:t>
-            </a:r>
-            <a:r>
-              <a:rPr lang="en-US" sz="2800" dirty="0">
-                <a:highlight>
-                  <a:srgbClr val="FFFF00"/>
-                </a:highlight>
-              </a:rPr>
-              <a:t>maximum likelihood</a:t>
-            </a:r>
-            <a:r>
-              <a:rPr lang="en-US" sz="2800" dirty="0"/>
-              <a:t>. This means that we were trying to </a:t>
-            </a:r>
-            <a:r>
-              <a:rPr lang="en-US" sz="2800" dirty="0">
-                <a:highlight>
-                  <a:srgbClr val="FFFF00"/>
-                </a:highlight>
-              </a:rPr>
-              <a:t>predict how species interact with one another</a:t>
-            </a:r>
-            <a:r>
-              <a:rPr lang="en-US" sz="2800" dirty="0"/>
-              <a:t> and coexist in a specified ecosystem.</a:t>
-            </a:r>
-          </a:p>
-        </p:txBody>
-      </p:sp>
-    </p:spTree>
-    <p:extLst>
-      <p:ext uri="{BB962C8B-B14F-4D97-AF65-F5344CB8AC3E}">
-        <p14:creationId xmlns:p14="http://schemas.microsoft.com/office/powerpoint/2010/main" val="1560179686"/>
-      </p:ext>
-    </p:extLst>
-  </p:cSld>
-  <p:clrMapOvr>
-    <a:masterClrMapping/>
-  </p:clrMapOvr>
-  <mc:AlternateContent xmlns:mc="http://schemas.openxmlformats.org/markup-compatibility/2006" xmlns:p14="http://schemas.microsoft.com/office/powerpoint/2010/main">
-    <mc:Choice Requires="p14">
-      <p:transition spd="slow" p14:dur="2000" advTm="19343"/>
-    </mc:Choice>
-    <mc:Fallback xmlns="">
-      <p:transition spd="slow" advTm="19343"/>
-    </mc:Fallback>
-  </mc:AlternateContent>
-</p:sld>
-</file>
-
-<file path=ppt/slides/slide20.xml><?xml version="1.0" encoding="utf-8"?>
-<p:sld xmlns:a="http://schemas.openxmlformats.org/drawingml/2006/main" xmlns:r="http://schemas.openxmlformats.org/officeDocument/2006/relationships" xmlns:p="http://schemas.openxmlformats.org/presentationml/2006/main">
-  <p:cSld>
-    <p:spTree>
-      <p:nvGrpSpPr>
-        <p:cNvPr id="1" name=""/>
-        <p:cNvGrpSpPr/>
-        <p:nvPr/>
-      </p:nvGrpSpPr>
-      <p:grpSpPr>
-        <a:xfrm>
-          <a:off x="0" y="0"/>
-          <a:ext cx="0" cy="0"/>
-          <a:chOff x="0" y="0"/>
-          <a:chExt cx="0" cy="0"/>
-        </a:xfrm>
-      </p:grpSpPr>
-      <p:sp>
-        <p:nvSpPr>
-          <p:cNvPr id="2" name="TextBox 1">
-            <a:extLst>
-              <a:ext uri="{FF2B5EF4-FFF2-40B4-BE49-F238E27FC236}">
-                <a16:creationId xmlns:a16="http://schemas.microsoft.com/office/drawing/2014/main" id="{89452A45-67D8-4D3C-BD61-74383AAFFB67}"/>
-              </a:ext>
-            </a:extLst>
-          </p:cNvPr>
-          <p:cNvSpPr txBox="1"/>
-          <p:nvPr/>
-        </p:nvSpPr>
-        <p:spPr>
-          <a:xfrm>
-            <a:off x="451692" y="275422"/>
-            <a:ext cx="3712684" cy="707886"/>
-          </a:xfrm>
-          <a:prstGeom prst="rect">
-            <a:avLst/>
-          </a:prstGeom>
-          <a:noFill/>
-        </p:spPr>
-        <p:txBody>
-          <a:bodyPr wrap="square" rtlCol="0">
-            <a:spAutoFit/>
-          </a:bodyPr>
-          <a:lstStyle/>
-          <a:p>
-            <a:r>
-              <a:rPr lang="en-US" sz="4000" dirty="0"/>
-              <a:t>Assumptions:</a:t>
-            </a:r>
-          </a:p>
-        </p:txBody>
-      </p:sp>
-      <p:pic>
-        <p:nvPicPr>
-          <p:cNvPr id="1028" name="Picture 4">
-            <a:extLst>
-              <a:ext uri="{FF2B5EF4-FFF2-40B4-BE49-F238E27FC236}">
-                <a16:creationId xmlns:a16="http://schemas.microsoft.com/office/drawing/2014/main" id="{7AE2F3FC-99CA-45F2-9426-A6B9374C4FC2}"/>
-              </a:ext>
-            </a:extLst>
-          </p:cNvPr>
-          <p:cNvPicPr>
-            <a:picLocks noChangeAspect="1" noChangeArrowheads="1"/>
-          </p:cNvPicPr>
-          <p:nvPr/>
-        </p:nvPicPr>
-        <p:blipFill>
-          <a:blip r:embed="rId3">
-            <a:extLst>
-              <a:ext uri="{28A0092B-C50C-407E-A947-70E740481C1C}">
-                <a14:useLocalDpi xmlns:a14="http://schemas.microsoft.com/office/drawing/2010/main" val="0"/>
-              </a:ext>
-            </a:extLst>
-          </a:blip>
-          <a:srcRect/>
-          <a:stretch>
-            <a:fillRect/>
-          </a:stretch>
-        </p:blipFill>
-        <p:spPr bwMode="auto">
-          <a:xfrm>
-            <a:off x="583893" y="1740664"/>
-            <a:ext cx="7143203" cy="707885"/>
-          </a:xfrm>
-          <a:prstGeom prst="rect">
-            <a:avLst/>
-          </a:prstGeom>
-          <a:noFill/>
-          <a:ln>
-            <a:noFill/>
-          </a:ln>
-          <a:effectLst/>
-          <a:extLst>
-            <a:ext uri="{909E8E84-426E-40DD-AFC4-6F175D3DCCD1}">
-              <a14:hiddenFill xmlns:a14="http://schemas.microsoft.com/office/drawing/2010/main">
-                <a:solidFill>
-                  <a:schemeClr val="accent1"/>
-                </a:solidFill>
-              </a14:hiddenFill>
-            </a:ext>
-            <a:ext uri="{91240B29-F687-4F45-9708-019B960494DF}">
-              <a14:hiddenLine xmlns:a14="http://schemas.microsoft.com/office/drawing/2010/main" w="9525">
-                <a:solidFill>
-                  <a:schemeClr val="tx1"/>
-                </a:solidFill>
-                <a:miter lim="800000"/>
-                <a:headEnd/>
-                <a:tailEnd/>
-              </a14:hiddenLine>
-            </a:ext>
-            <a:ext uri="{AF507438-7753-43E0-B8FC-AC1667EBCBE1}">
-              <a14:hiddenEffects xmlns:a14="http://schemas.microsoft.com/office/drawing/2010/main">
-                <a:effectLst>
-                  <a:outerShdw dist="35921" dir="2700000" algn="ctr" rotWithShape="0">
-                    <a:schemeClr val="bg2"/>
-                  </a:outerShdw>
-                </a:effectLst>
-              </a14:hiddenEffects>
-            </a:ext>
-          </a:extLst>
-        </p:spPr>
-      </p:pic>
-      <p:pic>
-        <p:nvPicPr>
-          <p:cNvPr id="1029" name="Picture 5">
-            <a:extLst>
-              <a:ext uri="{FF2B5EF4-FFF2-40B4-BE49-F238E27FC236}">
-                <a16:creationId xmlns:a16="http://schemas.microsoft.com/office/drawing/2014/main" id="{168982B0-55BC-40F1-815F-BE4FCB241CA2}"/>
-              </a:ext>
-            </a:extLst>
-          </p:cNvPr>
-          <p:cNvPicPr>
-            <a:picLocks noChangeAspect="1" noChangeArrowheads="1"/>
-          </p:cNvPicPr>
-          <p:nvPr/>
-        </p:nvPicPr>
-        <p:blipFill>
-          <a:blip r:embed="rId4">
-            <a:extLst>
-              <a:ext uri="{28A0092B-C50C-407E-A947-70E740481C1C}">
-                <a14:useLocalDpi xmlns:a14="http://schemas.microsoft.com/office/drawing/2010/main" val="0"/>
-              </a:ext>
-            </a:extLst>
-          </a:blip>
-          <a:srcRect/>
-          <a:stretch>
-            <a:fillRect/>
-          </a:stretch>
-        </p:blipFill>
-        <p:spPr bwMode="auto">
-          <a:xfrm>
-            <a:off x="583893" y="2964605"/>
-            <a:ext cx="2633032" cy="694828"/>
-          </a:xfrm>
-          <a:prstGeom prst="rect">
-            <a:avLst/>
-          </a:prstGeom>
-          <a:noFill/>
-          <a:ln>
-            <a:noFill/>
-          </a:ln>
-          <a:effectLst/>
-          <a:extLst>
-            <a:ext uri="{909E8E84-426E-40DD-AFC4-6F175D3DCCD1}">
-              <a14:hiddenFill xmlns:a14="http://schemas.microsoft.com/office/drawing/2010/main">
-                <a:solidFill>
-                  <a:schemeClr val="accent1"/>
-                </a:solidFill>
-              </a14:hiddenFill>
-            </a:ext>
-            <a:ext uri="{91240B29-F687-4F45-9708-019B960494DF}">
-              <a14:hiddenLine xmlns:a14="http://schemas.microsoft.com/office/drawing/2010/main" w="9525">
-                <a:solidFill>
-                  <a:schemeClr val="tx1"/>
-                </a:solidFill>
-                <a:miter lim="800000"/>
-                <a:headEnd/>
-                <a:tailEnd/>
-              </a14:hiddenLine>
-            </a:ext>
-            <a:ext uri="{AF507438-7753-43E0-B8FC-AC1667EBCBE1}">
-              <a14:hiddenEffects xmlns:a14="http://schemas.microsoft.com/office/drawing/2010/main">
-                <a:effectLst>
-                  <a:outerShdw dist="35921" dir="2700000" algn="ctr" rotWithShape="0">
-                    <a:schemeClr val="bg2"/>
-                  </a:outerShdw>
-                </a:effectLst>
-              </a14:hiddenEffects>
-            </a:ext>
-          </a:extLst>
-        </p:spPr>
-      </p:pic>
-      <p:pic>
-        <p:nvPicPr>
-          <p:cNvPr id="1027" name="Picture 3">
-            <a:extLst>
-              <a:ext uri="{FF2B5EF4-FFF2-40B4-BE49-F238E27FC236}">
-                <a16:creationId xmlns:a16="http://schemas.microsoft.com/office/drawing/2014/main" id="{1E5DBD3B-1F5E-4863-B93A-8E81E4251F91}"/>
-              </a:ext>
-            </a:extLst>
-          </p:cNvPr>
-          <p:cNvPicPr>
-            <a:picLocks noChangeAspect="1" noChangeArrowheads="1"/>
-          </p:cNvPicPr>
-          <p:nvPr/>
-        </p:nvPicPr>
-        <p:blipFill>
-          <a:blip r:embed="rId5">
-            <a:extLst>
-              <a:ext uri="{28A0092B-C50C-407E-A947-70E740481C1C}">
-                <a14:useLocalDpi xmlns:a14="http://schemas.microsoft.com/office/drawing/2010/main" val="0"/>
-              </a:ext>
-            </a:extLst>
-          </a:blip>
-          <a:srcRect/>
-          <a:stretch>
-            <a:fillRect/>
-          </a:stretch>
-        </p:blipFill>
-        <p:spPr bwMode="auto">
-          <a:xfrm>
-            <a:off x="583892" y="4201651"/>
-            <a:ext cx="8060010" cy="694828"/>
-          </a:xfrm>
-          <a:prstGeom prst="rect">
-            <a:avLst/>
-          </a:prstGeom>
-          <a:noFill/>
-          <a:ln>
-            <a:noFill/>
-          </a:ln>
-          <a:effectLst/>
-          <a:extLst>
-            <a:ext uri="{909E8E84-426E-40DD-AFC4-6F175D3DCCD1}">
-              <a14:hiddenFill xmlns:a14="http://schemas.microsoft.com/office/drawing/2010/main">
-                <a:solidFill>
-                  <a:schemeClr val="accent1"/>
-                </a:solidFill>
-              </a14:hiddenFill>
-            </a:ext>
-            <a:ext uri="{91240B29-F687-4F45-9708-019B960494DF}">
-              <a14:hiddenLine xmlns:a14="http://schemas.microsoft.com/office/drawing/2010/main" w="9525">
-                <a:solidFill>
-                  <a:schemeClr val="tx1"/>
-                </a:solidFill>
-                <a:miter lim="800000"/>
-                <a:headEnd/>
-                <a:tailEnd/>
-              </a14:hiddenLine>
-            </a:ext>
-            <a:ext uri="{AF507438-7753-43E0-B8FC-AC1667EBCBE1}">
-              <a14:hiddenEffects xmlns:a14="http://schemas.microsoft.com/office/drawing/2010/main">
-                <a:effectLst>
-                  <a:outerShdw dist="35921" dir="2700000" algn="ctr" rotWithShape="0">
-                    <a:schemeClr val="bg2"/>
-                  </a:outerShdw>
-                </a:effectLst>
-              </a14:hiddenEffects>
-            </a:ext>
-          </a:extLst>
-        </p:spPr>
-      </p:pic>
-    </p:spTree>
-    <p:extLst>
-      <p:ext uri="{BB962C8B-B14F-4D97-AF65-F5344CB8AC3E}">
-        <p14:creationId xmlns:p14="http://schemas.microsoft.com/office/powerpoint/2010/main" val="25166710"/>
-      </p:ext>
-    </p:extLst>
-  </p:cSld>
-  <p:clrMapOvr>
-    <a:masterClrMapping/>
-  </p:clrMapOvr>
-  <mc:AlternateContent xmlns:mc="http://schemas.openxmlformats.org/markup-compatibility/2006" xmlns:p14="http://schemas.microsoft.com/office/powerpoint/2010/main">
-    <mc:Choice Requires="p14">
-      <p:transition spd="slow" p14:dur="2000" advTm="123232"/>
-    </mc:Choice>
-    <mc:Fallback xmlns="">
-      <p:transition spd="slow" advTm="123232"/>
-    </mc:Fallback>
-  </mc:AlternateContent>
-</p:sld>
-</file>
-
-<file path=ppt/slides/slide21.xml><?xml version="1.0" encoding="utf-8"?>
+<file path=ppt/slides/slide22.xml><?xml version="1.0" encoding="utf-8"?>
 <p:sld xmlns:a="http://schemas.openxmlformats.org/drawingml/2006/main" xmlns:r="http://schemas.openxmlformats.org/officeDocument/2006/relationships" xmlns:p="http://schemas.openxmlformats.org/presentationml/2006/main">
   <p:cSld>
     <p:bg>
@@ -15207,7 +15450,7 @@
 </p:sld>
 </file>
 
-<file path=ppt/slides/slide22.xml><?xml version="1.0" encoding="utf-8"?>
+<file path=ppt/slides/slide23.xml><?xml version="1.0" encoding="utf-8"?>
 <p:sld xmlns:a="http://schemas.openxmlformats.org/drawingml/2006/main" xmlns:r="http://schemas.openxmlformats.org/officeDocument/2006/relationships" xmlns:p="http://schemas.openxmlformats.org/presentationml/2006/main">
   <p:cSld>
     <p:bg>
@@ -15518,7 +15761,7 @@
 </p:sld>
 </file>
 
-<file path=ppt/slides/slide23.xml><?xml version="1.0" encoding="utf-8"?>
+<file path=ppt/slides/slide24.xml><?xml version="1.0" encoding="utf-8"?>
 <p:sld xmlns:a="http://schemas.openxmlformats.org/drawingml/2006/main" xmlns:r="http://schemas.openxmlformats.org/officeDocument/2006/relationships" xmlns:p="http://schemas.openxmlformats.org/presentationml/2006/main">
   <p:cSld>
     <p:spTree>
@@ -15801,7 +16044,7 @@
 </p:sld>
 </file>
 
-<file path=ppt/slides/slide24.xml><?xml version="1.0" encoding="utf-8"?>
+<file path=ppt/slides/slide25.xml><?xml version="1.0" encoding="utf-8"?>
 <p:sld xmlns:a="http://schemas.openxmlformats.org/drawingml/2006/main" xmlns:r="http://schemas.openxmlformats.org/officeDocument/2006/relationships" xmlns:p="http://schemas.openxmlformats.org/presentationml/2006/main">
   <p:cSld>
     <p:bg>
@@ -16009,232 +16252,6 @@
     </mc:Choice>
     <mc:Fallback xmlns="">
       <p:transition spd="slow" advTm="3462"/>
-    </mc:Fallback>
-  </mc:AlternateContent>
-</p:sld>
-</file>
-
-<file path=ppt/slides/slide25.xml><?xml version="1.0" encoding="utf-8"?>
-<p:sld xmlns:a="http://schemas.openxmlformats.org/drawingml/2006/main" xmlns:r="http://schemas.openxmlformats.org/officeDocument/2006/relationships" xmlns:p="http://schemas.openxmlformats.org/presentationml/2006/main">
-  <p:cSld>
-    <p:bg>
-      <p:bgPr>
-        <a:solidFill>
-          <a:schemeClr val="bg1"/>
-        </a:solidFill>
-        <a:effectLst/>
-      </p:bgPr>
-    </p:bg>
-    <p:spTree>
-      <p:nvGrpSpPr>
-        <p:cNvPr id="1" name=""/>
-        <p:cNvGrpSpPr/>
-        <p:nvPr/>
-      </p:nvGrpSpPr>
-      <p:grpSpPr>
-        <a:xfrm>
-          <a:off x="0" y="0"/>
-          <a:ext cx="0" cy="0"/>
-          <a:chOff x="0" y="0"/>
-          <a:chExt cx="0" cy="0"/>
-        </a:xfrm>
-      </p:grpSpPr>
-      <p:sp>
-        <p:nvSpPr>
-          <p:cNvPr id="9" name="Rectangle 8">
-            <a:extLst>
-              <a:ext uri="{FF2B5EF4-FFF2-40B4-BE49-F238E27FC236}">
-                <a16:creationId xmlns:a16="http://schemas.microsoft.com/office/drawing/2014/main" id="{8D70B121-56F4-4848-B38B-182089D909FA}"/>
-              </a:ext>
-              <a:ext uri="{C183D7F6-B498-43B3-948B-1728B52AA6E4}">
-                <adec:decorative xmlns:adec="http://schemas.microsoft.com/office/drawing/2017/decorative" val="1"/>
-              </a:ext>
-            </a:extLst>
-          </p:cNvPr>
-          <p:cNvSpPr>
-            <a:spLocks noGrp="1" noRot="1" noChangeAspect="1" noMove="1" noResize="1" noEditPoints="1" noAdjustHandles="1" noChangeArrowheads="1" noChangeShapeType="1" noTextEdit="1"/>
-          </p:cNvSpPr>
-          <p:nvPr>
-            <p:extLst>
-              <p:ext uri="{386F3935-93C4-4BCD-93E2-E3B085C9AB24}">
-                <p16:designElem xmlns:p16="http://schemas.microsoft.com/office/powerpoint/2015/main" val="1"/>
-              </p:ext>
-            </p:extLst>
-          </p:nvPr>
-        </p:nvSpPr>
-        <p:spPr bwMode="ltGray">
-          <a:xfrm>
-            <a:off x="321564" y="320040"/>
-            <a:ext cx="11548872" cy="6217920"/>
-          </a:xfrm>
-          <a:prstGeom prst="rect">
-            <a:avLst/>
-          </a:prstGeom>
-          <a:solidFill>
-            <a:schemeClr val="tx1">
-              <a:alpha val="8000"/>
-            </a:schemeClr>
-          </a:solidFill>
-          <a:ln w="127000" cap="sq" cmpd="thinThick">
-            <a:noFill/>
-          </a:ln>
-        </p:spPr>
-        <p:style>
-          <a:lnRef idx="2">
-            <a:schemeClr val="accent1">
-              <a:shade val="50000"/>
-            </a:schemeClr>
-          </a:lnRef>
-          <a:fillRef idx="1">
-            <a:schemeClr val="accent1"/>
-          </a:fillRef>
-          <a:effectRef idx="0">
-            <a:schemeClr val="accent1"/>
-          </a:effectRef>
-          <a:fontRef idx="minor">
-            <a:schemeClr val="lt1"/>
-          </a:fontRef>
-        </p:style>
-        <p:txBody>
-          <a:bodyPr rtlCol="0" anchor="ctr"/>
-          <a:lstStyle/>
-          <a:p>
-            <a:pPr algn="ctr"/>
-            <a:endParaRPr lang="en-US"/>
-          </a:p>
-        </p:txBody>
-      </p:sp>
-      <p:sp>
-        <p:nvSpPr>
-          <p:cNvPr id="2" name="Title 1"/>
-          <p:cNvSpPr>
-            <a:spLocks noGrp="1"/>
-          </p:cNvSpPr>
-          <p:nvPr>
-            <p:ph type="title"/>
-          </p:nvPr>
-        </p:nvSpPr>
-        <p:spPr>
-          <a:xfrm>
-            <a:off x="838200" y="963877"/>
-            <a:ext cx="3494362" cy="4930246"/>
-          </a:xfrm>
-        </p:spPr>
-        <p:txBody>
-          <a:bodyPr>
-            <a:normAutofit/>
-          </a:bodyPr>
-          <a:lstStyle/>
-          <a:p>
-            <a:pPr algn="r"/>
-            <a:r>
-              <a:rPr lang="en-US" dirty="0">
-                <a:solidFill>
-                  <a:schemeClr val="accent1"/>
-                </a:solidFill>
-              </a:rPr>
-              <a:t>What Did My Maximum Likelihood Equations Predict?</a:t>
-            </a:r>
-          </a:p>
-        </p:txBody>
-      </p:sp>
-      <p:cxnSp>
-        <p:nvCxnSpPr>
-          <p:cNvPr id="11" name="Straight Connector 10">
-            <a:extLst>
-              <a:ext uri="{FF2B5EF4-FFF2-40B4-BE49-F238E27FC236}">
-                <a16:creationId xmlns:a16="http://schemas.microsoft.com/office/drawing/2014/main" id="{2D72A2C9-F3CA-4216-8BAD-FA4C970C3C4E}"/>
-              </a:ext>
-              <a:ext uri="{C183D7F6-B498-43B3-948B-1728B52AA6E4}">
-                <adec:decorative xmlns:adec="http://schemas.microsoft.com/office/drawing/2017/decorative" val="1"/>
-              </a:ext>
-            </a:extLst>
-          </p:cNvPr>
-          <p:cNvCxnSpPr>
-            <a:cxnSpLocks noGrp="1" noRot="1" noChangeAspect="1" noMove="1" noResize="1" noEditPoints="1" noAdjustHandles="1" noChangeArrowheads="1" noChangeShapeType="1"/>
-          </p:cNvCxnSpPr>
-          <p:nvPr>
-            <p:extLst>
-              <p:ext uri="{386F3935-93C4-4BCD-93E2-E3B085C9AB24}">
-                <p16:designElem xmlns:p16="http://schemas.microsoft.com/office/powerpoint/2015/main" val="1"/>
-              </p:ext>
-            </p:extLst>
-          </p:nvPr>
-        </p:nvCxnSpPr>
-        <p:spPr>
-          <a:xfrm>
-            <a:off x="4654296" y="2057400"/>
-            <a:ext cx="0" cy="2743200"/>
-          </a:xfrm>
-          <a:prstGeom prst="line">
-            <a:avLst/>
-          </a:prstGeom>
-          <a:ln w="19050">
-            <a:solidFill>
-              <a:schemeClr val="tx1">
-                <a:lumMod val="85000"/>
-                <a:lumOff val="15000"/>
-              </a:schemeClr>
-            </a:solidFill>
-          </a:ln>
-        </p:spPr>
-        <p:style>
-          <a:lnRef idx="1">
-            <a:schemeClr val="accent1"/>
-          </a:lnRef>
-          <a:fillRef idx="0">
-            <a:schemeClr val="accent1"/>
-          </a:fillRef>
-          <a:effectRef idx="0">
-            <a:schemeClr val="accent1"/>
-          </a:effectRef>
-          <a:fontRef idx="minor">
-            <a:schemeClr val="tx1"/>
-          </a:fontRef>
-        </p:style>
-      </p:cxnSp>
-      <p:sp>
-        <p:nvSpPr>
-          <p:cNvPr id="3" name="Content Placeholder 2"/>
-          <p:cNvSpPr>
-            <a:spLocks noGrp="1"/>
-          </p:cNvSpPr>
-          <p:nvPr>
-            <p:ph idx="1"/>
-          </p:nvPr>
-        </p:nvSpPr>
-        <p:spPr>
-          <a:xfrm>
-            <a:off x="4976031" y="963877"/>
-            <a:ext cx="6377769" cy="4930246"/>
-          </a:xfrm>
-        </p:spPr>
-        <p:txBody>
-          <a:bodyPr anchor="ctr">
-            <a:normAutofit/>
-          </a:bodyPr>
-          <a:lstStyle/>
-          <a:p>
-            <a:endParaRPr sz="2400" dirty="0"/>
-          </a:p>
-        </p:txBody>
-      </p:sp>
-    </p:spTree>
-    <p:extLst>
-      <p:ext uri="{BB962C8B-B14F-4D97-AF65-F5344CB8AC3E}">
-        <p14:creationId xmlns:p14="http://schemas.microsoft.com/office/powerpoint/2010/main" val="185518489"/>
-      </p:ext>
-    </p:extLst>
-  </p:cSld>
-  <p:clrMapOvr>
-    <a:masterClrMapping/>
-  </p:clrMapOvr>
-  <mc:AlternateContent xmlns:mc="http://schemas.openxmlformats.org/markup-compatibility/2006" xmlns:p14="http://schemas.microsoft.com/office/powerpoint/2010/main">
-    <mc:Choice Requires="p14">
-      <p:transition spd="slow" p14:dur="2000" advTm="14978"/>
-    </mc:Choice>
-    <mc:Fallback xmlns="">
-      <p:transition spd="slow" advTm="14978"/>
     </mc:Fallback>
   </mc:AlternateContent>
 </p:sld>
@@ -16681,16 +16698,6 @@
                 <a:srgbClr val="000000"/>
               </a:solidFill>
             </a:endParaRPr>
-          </a:p>
-          <a:p>
-            <a:r>
-              <a:rPr lang="en-US" sz="2400" dirty="0">
-                <a:solidFill>
-                  <a:srgbClr val="000000"/>
-                </a:solidFill>
-              </a:rPr>
-              <a:t>expected value of mu, sigma, d vs. actual value</a:t>
-            </a:r>
           </a:p>
           <a:p>
             <a:r>
@@ -17227,6 +17234,242 @@
           <p:cNvPr id="9" name="Rectangle 8">
             <a:extLst>
               <a:ext uri="{FF2B5EF4-FFF2-40B4-BE49-F238E27FC236}">
+                <a16:creationId xmlns:a16="http://schemas.microsoft.com/office/drawing/2014/main" id="{8D70B121-56F4-4848-B38B-182089D909FA}"/>
+              </a:ext>
+              <a:ext uri="{C183D7F6-B498-43B3-948B-1728B52AA6E4}">
+                <adec:decorative xmlns:adec="http://schemas.microsoft.com/office/drawing/2017/decorative" val="1"/>
+              </a:ext>
+            </a:extLst>
+          </p:cNvPr>
+          <p:cNvSpPr>
+            <a:spLocks noGrp="1" noRot="1" noChangeAspect="1" noMove="1" noResize="1" noEditPoints="1" noAdjustHandles="1" noChangeArrowheads="1" noChangeShapeType="1" noTextEdit="1"/>
+          </p:cNvSpPr>
+          <p:nvPr>
+            <p:extLst>
+              <p:ext uri="{386F3935-93C4-4BCD-93E2-E3B085C9AB24}">
+                <p16:designElem xmlns:p16="http://schemas.microsoft.com/office/powerpoint/2015/main" val="1"/>
+              </p:ext>
+            </p:extLst>
+          </p:nvPr>
+        </p:nvSpPr>
+        <p:spPr bwMode="ltGray">
+          <a:xfrm>
+            <a:off x="321564" y="320040"/>
+            <a:ext cx="11548872" cy="6217920"/>
+          </a:xfrm>
+          <a:prstGeom prst="rect">
+            <a:avLst/>
+          </a:prstGeom>
+          <a:solidFill>
+            <a:schemeClr val="tx1">
+              <a:alpha val="8000"/>
+            </a:schemeClr>
+          </a:solidFill>
+          <a:ln w="127000" cap="sq" cmpd="thinThick">
+            <a:noFill/>
+          </a:ln>
+        </p:spPr>
+        <p:style>
+          <a:lnRef idx="2">
+            <a:schemeClr val="accent1">
+              <a:shade val="50000"/>
+            </a:schemeClr>
+          </a:lnRef>
+          <a:fillRef idx="1">
+            <a:schemeClr val="accent1"/>
+          </a:fillRef>
+          <a:effectRef idx="0">
+            <a:schemeClr val="accent1"/>
+          </a:effectRef>
+          <a:fontRef idx="minor">
+            <a:schemeClr val="lt1"/>
+          </a:fontRef>
+        </p:style>
+        <p:txBody>
+          <a:bodyPr rtlCol="0" anchor="ctr"/>
+          <a:lstStyle/>
+          <a:p>
+            <a:pPr algn="ctr"/>
+            <a:endParaRPr lang="en-US"/>
+          </a:p>
+        </p:txBody>
+      </p:sp>
+      <p:sp>
+        <p:nvSpPr>
+          <p:cNvPr id="2" name="Title 1"/>
+          <p:cNvSpPr>
+            <a:spLocks noGrp="1"/>
+          </p:cNvSpPr>
+          <p:nvPr>
+            <p:ph type="title"/>
+          </p:nvPr>
+        </p:nvSpPr>
+        <p:spPr>
+          <a:xfrm>
+            <a:off x="838200" y="963877"/>
+            <a:ext cx="3494362" cy="4930246"/>
+          </a:xfrm>
+        </p:spPr>
+        <p:txBody>
+          <a:bodyPr>
+            <a:normAutofit/>
+          </a:bodyPr>
+          <a:lstStyle/>
+          <a:p>
+            <a:pPr algn="r"/>
+            <a:r>
+              <a:rPr lang="en-US" dirty="0">
+                <a:solidFill>
+                  <a:schemeClr val="accent1"/>
+                </a:solidFill>
+              </a:rPr>
+              <a:t>What Did My Maximum Likelihood Equations Predict?</a:t>
+            </a:r>
+          </a:p>
+        </p:txBody>
+      </p:sp>
+      <p:cxnSp>
+        <p:nvCxnSpPr>
+          <p:cNvPr id="11" name="Straight Connector 10">
+            <a:extLst>
+              <a:ext uri="{FF2B5EF4-FFF2-40B4-BE49-F238E27FC236}">
+                <a16:creationId xmlns:a16="http://schemas.microsoft.com/office/drawing/2014/main" id="{2D72A2C9-F3CA-4216-8BAD-FA4C970C3C4E}"/>
+              </a:ext>
+              <a:ext uri="{C183D7F6-B498-43B3-948B-1728B52AA6E4}">
+                <adec:decorative xmlns:adec="http://schemas.microsoft.com/office/drawing/2017/decorative" val="1"/>
+              </a:ext>
+            </a:extLst>
+          </p:cNvPr>
+          <p:cNvCxnSpPr>
+            <a:cxnSpLocks noGrp="1" noRot="1" noChangeAspect="1" noMove="1" noResize="1" noEditPoints="1" noAdjustHandles="1" noChangeArrowheads="1" noChangeShapeType="1"/>
+          </p:cNvCxnSpPr>
+          <p:nvPr>
+            <p:extLst>
+              <p:ext uri="{386F3935-93C4-4BCD-93E2-E3B085C9AB24}">
+                <p16:designElem xmlns:p16="http://schemas.microsoft.com/office/powerpoint/2015/main" val="1"/>
+              </p:ext>
+            </p:extLst>
+          </p:nvPr>
+        </p:nvCxnSpPr>
+        <p:spPr>
+          <a:xfrm>
+            <a:off x="4654296" y="2057400"/>
+            <a:ext cx="0" cy="2743200"/>
+          </a:xfrm>
+          <a:prstGeom prst="line">
+            <a:avLst/>
+          </a:prstGeom>
+          <a:ln w="19050">
+            <a:solidFill>
+              <a:schemeClr val="tx1">
+                <a:lumMod val="85000"/>
+                <a:lumOff val="15000"/>
+              </a:schemeClr>
+            </a:solidFill>
+          </a:ln>
+        </p:spPr>
+        <p:style>
+          <a:lnRef idx="1">
+            <a:schemeClr val="accent1"/>
+          </a:lnRef>
+          <a:fillRef idx="0">
+            <a:schemeClr val="accent1"/>
+          </a:fillRef>
+          <a:effectRef idx="0">
+            <a:schemeClr val="accent1"/>
+          </a:effectRef>
+          <a:fontRef idx="minor">
+            <a:schemeClr val="tx1"/>
+          </a:fontRef>
+        </p:style>
+      </p:cxnSp>
+      <p:sp>
+        <p:nvSpPr>
+          <p:cNvPr id="3" name="Content Placeholder 2"/>
+          <p:cNvSpPr>
+            <a:spLocks noGrp="1"/>
+          </p:cNvSpPr>
+          <p:nvPr>
+            <p:ph idx="1"/>
+          </p:nvPr>
+        </p:nvSpPr>
+        <p:spPr>
+          <a:xfrm>
+            <a:off x="4976031" y="963877"/>
+            <a:ext cx="6377769" cy="4930246"/>
+          </a:xfrm>
+        </p:spPr>
+        <p:txBody>
+          <a:bodyPr anchor="ctr">
+            <a:normAutofit/>
+          </a:bodyPr>
+          <a:lstStyle/>
+          <a:p>
+            <a:r>
+              <a:rPr lang="en-US" sz="2400" dirty="0">
+                <a:solidFill>
+                  <a:srgbClr val="000000"/>
+                </a:solidFill>
+              </a:rPr>
+              <a:t>expected value of mu, sigma, d vs. actual value</a:t>
+            </a:r>
+          </a:p>
+          <a:p>
+            <a:endParaRPr sz="2400" dirty="0"/>
+          </a:p>
+        </p:txBody>
+      </p:sp>
+    </p:spTree>
+    <p:extLst>
+      <p:ext uri="{BB962C8B-B14F-4D97-AF65-F5344CB8AC3E}">
+        <p14:creationId xmlns:p14="http://schemas.microsoft.com/office/powerpoint/2010/main" val="185518489"/>
+      </p:ext>
+    </p:extLst>
+  </p:cSld>
+  <p:clrMapOvr>
+    <a:masterClrMapping/>
+  </p:clrMapOvr>
+  <mc:AlternateContent xmlns:mc="http://schemas.openxmlformats.org/markup-compatibility/2006" xmlns:p14="http://schemas.microsoft.com/office/powerpoint/2010/main">
+    <mc:Choice Requires="p14">
+      <p:transition spd="slow" p14:dur="2000" advTm="14978"/>
+    </mc:Choice>
+    <mc:Fallback xmlns="">
+      <p:transition spd="slow" advTm="14978"/>
+    </mc:Fallback>
+  </mc:AlternateContent>
+</p:sld>
+</file>
+
+<file path=ppt/slides/slide29.xml><?xml version="1.0" encoding="utf-8"?>
+<p:sld xmlns:a="http://schemas.openxmlformats.org/drawingml/2006/main" xmlns:r="http://schemas.openxmlformats.org/officeDocument/2006/relationships" xmlns:p="http://schemas.openxmlformats.org/presentationml/2006/main">
+  <p:cSld>
+    <p:bg>
+      <p:bgPr>
+        <a:solidFill>
+          <a:schemeClr val="bg1"/>
+        </a:solidFill>
+        <a:effectLst/>
+      </p:bgPr>
+    </p:bg>
+    <p:spTree>
+      <p:nvGrpSpPr>
+        <p:cNvPr id="1" name=""/>
+        <p:cNvGrpSpPr/>
+        <p:nvPr/>
+      </p:nvGrpSpPr>
+      <p:grpSpPr>
+        <a:xfrm>
+          <a:off x="0" y="0"/>
+          <a:ext cx="0" cy="0"/>
+          <a:chOff x="0" y="0"/>
+          <a:chExt cx="0" cy="0"/>
+        </a:xfrm>
+      </p:grpSpPr>
+      <p:sp>
+        <p:nvSpPr>
+          <p:cNvPr id="9" name="Rectangle 8">
+            <a:extLst>
+              <a:ext uri="{FF2B5EF4-FFF2-40B4-BE49-F238E27FC236}">
                 <a16:creationId xmlns:a16="http://schemas.microsoft.com/office/drawing/2014/main" id="{25168E7B-6D42-4B3A-B7A1-17D4C49EC903}"/>
               </a:ext>
               <a:ext uri="{C183D7F6-B498-43B3-948B-1728B52AA6E4}">
@@ -17406,7 +17649,7 @@
 </p:sld>
 </file>
 
-<file path=ppt/slides/slide29.xml><?xml version="1.0" encoding="utf-8"?>
+<file path=ppt/slides/slide3.xml><?xml version="1.0" encoding="utf-8"?>
 <p:sld xmlns:a="http://schemas.openxmlformats.org/drawingml/2006/main" xmlns:r="http://schemas.openxmlformats.org/officeDocument/2006/relationships" xmlns:p="http://schemas.openxmlformats.org/presentationml/2006/main">
   <p:cSld>
     <p:bg>
@@ -17525,7 +17768,7 @@
                   <a:schemeClr val="accent1"/>
                 </a:solidFill>
               </a:rPr>
-              <a:t>Summary</a:t>
+              <a:t>Contents</a:t>
             </a:r>
           </a:p>
         </p:txBody>
@@ -17607,14 +17850,35 @@
           </a:bodyPr>
           <a:lstStyle/>
           <a:p>
-            <a:endParaRPr sz="2400" dirty="0"/>
+            <a:r>
+              <a:rPr lang="en-US" sz="2400" dirty="0"/>
+              <a:t>Background</a:t>
+            </a:r>
+          </a:p>
+          <a:p>
+            <a:r>
+              <a:rPr lang="en-US" sz="2400" dirty="0"/>
+              <a:t>Methods</a:t>
+            </a:r>
+          </a:p>
+          <a:p>
+            <a:r>
+              <a:rPr lang="en-US" sz="2400" dirty="0"/>
+              <a:t>Results</a:t>
+            </a:r>
+          </a:p>
+          <a:p>
+            <a:r>
+              <a:rPr lang="en-US" sz="2400" dirty="0"/>
+              <a:t>Discussion</a:t>
+            </a:r>
           </a:p>
         </p:txBody>
       </p:sp>
     </p:spTree>
     <p:extLst>
       <p:ext uri="{BB962C8B-B14F-4D97-AF65-F5344CB8AC3E}">
-        <p14:creationId xmlns:p14="http://schemas.microsoft.com/office/powerpoint/2010/main" val="1286476036"/>
+        <p14:creationId xmlns:p14="http://schemas.microsoft.com/office/powerpoint/2010/main" val="60528618"/>
       </p:ext>
     </p:extLst>
   </p:cSld>
@@ -17623,16 +17887,16 @@
   </p:clrMapOvr>
   <mc:AlternateContent xmlns:mc="http://schemas.openxmlformats.org/markup-compatibility/2006" xmlns:p14="http://schemas.microsoft.com/office/powerpoint/2010/main">
     <mc:Choice Requires="p14">
-      <p:transition spd="slow" p14:dur="2000" advTm="4525"/>
+      <p:transition spd="slow" p14:dur="2000" advTm="87056"/>
     </mc:Choice>
     <mc:Fallback xmlns="">
-      <p:transition spd="slow" advTm="4525"/>
+      <p:transition spd="slow" advTm="87056"/>
     </mc:Fallback>
   </mc:AlternateContent>
 </p:sld>
 </file>
 
-<file path=ppt/slides/slide3.xml><?xml version="1.0" encoding="utf-8"?>
+<file path=ppt/slides/slide30.xml><?xml version="1.0" encoding="utf-8"?>
 <p:sld xmlns:a="http://schemas.openxmlformats.org/drawingml/2006/main" xmlns:r="http://schemas.openxmlformats.org/officeDocument/2006/relationships" xmlns:p="http://schemas.openxmlformats.org/presentationml/2006/main">
   <p:cSld>
     <p:bg>
@@ -17751,7 +18015,7 @@
                   <a:schemeClr val="accent1"/>
                 </a:solidFill>
               </a:rPr>
-              <a:t>Contents</a:t>
+              <a:t>Summary</a:t>
             </a:r>
           </a:p>
         </p:txBody>
@@ -17833,35 +18097,14 @@
           </a:bodyPr>
           <a:lstStyle/>
           <a:p>
-            <a:r>
-              <a:rPr lang="en-US" sz="2400" dirty="0"/>
-              <a:t>Background</a:t>
-            </a:r>
-          </a:p>
-          <a:p>
-            <a:r>
-              <a:rPr lang="en-US" sz="2400" dirty="0"/>
-              <a:t>Methods</a:t>
-            </a:r>
-          </a:p>
-          <a:p>
-            <a:r>
-              <a:rPr lang="en-US" sz="2400" dirty="0"/>
-              <a:t>Results</a:t>
-            </a:r>
-          </a:p>
-          <a:p>
-            <a:r>
-              <a:rPr lang="en-US" sz="2400" dirty="0"/>
-              <a:t>Discussion</a:t>
-            </a:r>
+            <a:endParaRPr sz="2400" dirty="0"/>
           </a:p>
         </p:txBody>
       </p:sp>
     </p:spTree>
     <p:extLst>
       <p:ext uri="{BB962C8B-B14F-4D97-AF65-F5344CB8AC3E}">
-        <p14:creationId xmlns:p14="http://schemas.microsoft.com/office/powerpoint/2010/main" val="60528618"/>
+        <p14:creationId xmlns:p14="http://schemas.microsoft.com/office/powerpoint/2010/main" val="1286476036"/>
       </p:ext>
     </p:extLst>
   </p:cSld>
@@ -17870,16 +18113,16 @@
   </p:clrMapOvr>
   <mc:AlternateContent xmlns:mc="http://schemas.openxmlformats.org/markup-compatibility/2006" xmlns:p14="http://schemas.microsoft.com/office/powerpoint/2010/main">
     <mc:Choice Requires="p14">
-      <p:transition spd="slow" p14:dur="2000" advTm="87056"/>
+      <p:transition spd="slow" p14:dur="2000" advTm="4525"/>
     </mc:Choice>
     <mc:Fallback xmlns="">
-      <p:transition spd="slow" advTm="87056"/>
+      <p:transition spd="slow" advTm="4525"/>
     </mc:Fallback>
   </mc:AlternateContent>
 </p:sld>
 </file>
 
-<file path=ppt/slides/slide30.xml><?xml version="1.0" encoding="utf-8"?>
+<file path=ppt/slides/slide31.xml><?xml version="1.0" encoding="utf-8"?>
 <p:sld xmlns:a="http://schemas.openxmlformats.org/drawingml/2006/main" xmlns:r="http://schemas.openxmlformats.org/officeDocument/2006/relationships" xmlns:p="http://schemas.openxmlformats.org/presentationml/2006/main">
   <p:cSld>
     <p:bg>
